--- a/lamination.pptx
+++ b/lamination.pptx
@@ -6,6 +6,7 @@
   </p:sldMasterIdLst>
   <p:sldIdLst>
     <p:sldId id="256" r:id="rId2"/>
+    <p:sldId id="257" r:id="rId3"/>
   </p:sldIdLst>
   <p:sldSz cx="12192000" cy="6858000"/>
   <p:notesSz cx="6858000" cy="9144000"/>
@@ -3558,8 +3559,8 @@
         </p:nvSpPr>
         <p:spPr>
           <a:xfrm>
-            <a:off x="390698" y="4408516"/>
-            <a:ext cx="3543994" cy="1477328"/>
+            <a:off x="114992" y="4362266"/>
+            <a:ext cx="3543994" cy="2092881"/>
           </a:xfrm>
           <a:prstGeom prst="rect">
             <a:avLst/>
@@ -3577,8 +3578,18 @@
               <a:buChar char="•"/>
             </a:pPr>
             <a:r>
-              <a:rPr lang="en-US" dirty="0"/>
+              <a:rPr lang="en-US" sz="1600" dirty="0"/>
               <a:t>Worse on tablets with high initial thickness because of high initial air content (Our 1D model can capture it)</a:t>
+            </a:r>
+          </a:p>
+          <a:p>
+            <a:pPr marL="285750" indent="-285750">
+              <a:buFont typeface="Arial" panose="020B0604020202020204" pitchFamily="34" charset="0"/>
+              <a:buChar char="•"/>
+            </a:pPr>
+            <a:r>
+              <a:rPr lang="en-US" sz="1600" dirty="0"/>
+              <a:t>Worse for ductile materials, i.e., materials that can be compressed very close to their true density</a:t>
             </a:r>
           </a:p>
           <a:p>
@@ -3641,8 +3652,8 @@
         </p:nvSpPr>
         <p:spPr>
           <a:xfrm>
-            <a:off x="4368336" y="4362266"/>
-            <a:ext cx="3543994" cy="923330"/>
+            <a:off x="3857105" y="4362266"/>
+            <a:ext cx="4055225" cy="1569660"/>
           </a:xfrm>
           <a:prstGeom prst="rect">
             <a:avLst/>
@@ -3660,7 +3671,7 @@
               <a:buChar char="•"/>
             </a:pPr>
             <a:r>
-              <a:rPr lang="en-US" dirty="0"/>
+              <a:rPr lang="en-US" sz="1600" dirty="0"/>
               <a:t>Happens during ejection</a:t>
             </a:r>
           </a:p>
@@ -3670,8 +3681,18 @@
               <a:buChar char="•"/>
             </a:pPr>
             <a:r>
-              <a:rPr lang="en-US" dirty="0"/>
+              <a:rPr lang="en-US" sz="1600" dirty="0"/>
               <a:t>It occurs on the face that eject the last</a:t>
+            </a:r>
+          </a:p>
+          <a:p>
+            <a:pPr marL="285750" indent="-285750">
+              <a:buFont typeface="Arial" panose="020B0604020202020204" pitchFamily="34" charset="0"/>
+              <a:buChar char="•"/>
+            </a:pPr>
+            <a:r>
+              <a:rPr lang="en-US" sz="1600" dirty="0"/>
+              <a:t>when the tablet goes out of the die, due to the elastic recovery and to the residual die wall pressure, shear stresses develop at the edge of the die (next slide)</a:t>
             </a:r>
           </a:p>
         </p:txBody>
@@ -3691,7 +3712,7 @@
         <p:spPr>
           <a:xfrm>
             <a:off x="8093825" y="4322618"/>
-            <a:ext cx="3543994" cy="1477328"/>
+            <a:ext cx="3543994" cy="830997"/>
           </a:xfrm>
           <a:prstGeom prst="rect">
             <a:avLst/>
@@ -3709,7 +3730,7 @@
               <a:buChar char="•"/>
             </a:pPr>
             <a:r>
-              <a:rPr lang="en-US" dirty="0"/>
+              <a:rPr lang="en-US" sz="1600" dirty="0"/>
               <a:t>Only happens for biconvex tablets</a:t>
             </a:r>
           </a:p>
@@ -3719,7 +3740,7 @@
               <a:buChar char="•"/>
             </a:pPr>
             <a:r>
-              <a:rPr lang="en-US" dirty="0"/>
+              <a:rPr lang="en-US" sz="1600" dirty="0"/>
               <a:t>Happens during decompression</a:t>
             </a:r>
           </a:p>
@@ -3729,7 +3750,7 @@
               <a:buChar char="•"/>
             </a:pPr>
             <a:r>
-              <a:rPr lang="en-US" dirty="0"/>
+              <a:rPr lang="en-US" sz="1600" dirty="0"/>
               <a:t>Worse on tablets with low thickness</a:t>
             </a:r>
           </a:p>
@@ -3815,6 +3836,292 @@
     <p:extLst>
       <p:ext uri="{BB962C8B-B14F-4D97-AF65-F5344CB8AC3E}">
         <p14:creationId xmlns:p14="http://schemas.microsoft.com/office/powerpoint/2010/main" val="402141594"/>
+      </p:ext>
+    </p:extLst>
+  </p:cSld>
+  <p:clrMapOvr>
+    <a:masterClrMapping/>
+  </p:clrMapOvr>
+</p:sld>
+</file>
+
+<file path=ppt/slides/slide2.xml><?xml version="1.0" encoding="utf-8"?>
+<p:sld xmlns:a="http://schemas.openxmlformats.org/drawingml/2006/main" xmlns:r="http://schemas.openxmlformats.org/officeDocument/2006/relationships" xmlns:p="http://schemas.openxmlformats.org/presentationml/2006/main">
+  <p:cSld>
+    <p:spTree>
+      <p:nvGrpSpPr>
+        <p:cNvPr id="1" name=""/>
+        <p:cNvGrpSpPr/>
+        <p:nvPr/>
+      </p:nvGrpSpPr>
+      <p:grpSpPr>
+        <a:xfrm>
+          <a:off x="0" y="0"/>
+          <a:ext cx="0" cy="0"/>
+          <a:chOff x="0" y="0"/>
+          <a:chExt cx="0" cy="0"/>
+        </a:xfrm>
+      </p:grpSpPr>
+      <p:pic>
+        <p:nvPicPr>
+          <p:cNvPr id="1026" name="Picture 2">
+            <a:extLst>
+              <a:ext uri="{FF2B5EF4-FFF2-40B4-BE49-F238E27FC236}">
+                <a16:creationId xmlns:a16="http://schemas.microsoft.com/office/drawing/2014/main" id="{230FB669-DEF0-47E3-EC73-60D9873B8C1B}"/>
+              </a:ext>
+            </a:extLst>
+          </p:cNvPr>
+          <p:cNvPicPr>
+            <a:picLocks noChangeAspect="1" noChangeArrowheads="1"/>
+          </p:cNvPicPr>
+          <p:nvPr/>
+        </p:nvPicPr>
+        <p:blipFill>
+          <a:blip r:embed="rId2">
+            <a:extLst>
+              <a:ext uri="{28A0092B-C50C-407E-A947-70E740481C1C}">
+                <a14:useLocalDpi xmlns:a14="http://schemas.microsoft.com/office/drawing/2010/main" val="0"/>
+              </a:ext>
+            </a:extLst>
+          </a:blip>
+          <a:srcRect/>
+          <a:stretch>
+            <a:fillRect/>
+          </a:stretch>
+        </p:blipFill>
+        <p:spPr bwMode="auto">
+          <a:xfrm>
+            <a:off x="500669" y="382386"/>
+            <a:ext cx="6341735" cy="4586028"/>
+          </a:xfrm>
+          <a:prstGeom prst="rect">
+            <a:avLst/>
+          </a:prstGeom>
+          <a:noFill/>
+          <a:extLst>
+            <a:ext uri="{909E8E84-426E-40DD-AFC4-6F175D3DCCD1}">
+              <a14:hiddenFill xmlns:a14="http://schemas.microsoft.com/office/drawing/2010/main">
+                <a:solidFill>
+                  <a:srgbClr val="FFFFFF"/>
+                </a:solidFill>
+              </a14:hiddenFill>
+            </a:ext>
+          </a:extLst>
+        </p:spPr>
+      </p:pic>
+      <p:sp>
+        <p:nvSpPr>
+          <p:cNvPr id="6" name="TextBox 5">
+            <a:extLst>
+              <a:ext uri="{FF2B5EF4-FFF2-40B4-BE49-F238E27FC236}">
+                <a16:creationId xmlns:a16="http://schemas.microsoft.com/office/drawing/2014/main" id="{6F635397-CBA0-3337-3486-70CE7594DA77}"/>
+              </a:ext>
+            </a:extLst>
+          </p:cNvPr>
+          <p:cNvSpPr txBox="1"/>
+          <p:nvPr/>
+        </p:nvSpPr>
+        <p:spPr>
+          <a:xfrm>
+            <a:off x="388620" y="5275285"/>
+            <a:ext cx="6097384" cy="600164"/>
+          </a:xfrm>
+          <a:prstGeom prst="rect">
+            <a:avLst/>
+          </a:prstGeom>
+          <a:noFill/>
+        </p:spPr>
+        <p:txBody>
+          <a:bodyPr wrap="square">
+            <a:spAutoFit/>
+          </a:bodyPr>
+          <a:lstStyle/>
+          <a:p>
+            <a:r>
+              <a:rPr lang="en-US" sz="1100" b="0" i="0" dirty="0">
+                <a:solidFill>
+                  <a:srgbClr val="222222"/>
+                </a:solidFill>
+                <a:effectLst/>
+                <a:latin typeface="Arial" panose="020B0604020202020204" pitchFamily="34" charset="0"/>
+              </a:rPr>
+              <a:t>Takeuchi, Hirofumi, et al. "Die wall pressure measurement for evaluation of compaction property of pharmaceutical materials." </a:t>
+            </a:r>
+            <a:r>
+              <a:rPr lang="en-US" sz="1100" b="0" i="1" dirty="0">
+                <a:solidFill>
+                  <a:srgbClr val="222222"/>
+                </a:solidFill>
+                <a:effectLst/>
+                <a:latin typeface="Arial" panose="020B0604020202020204" pitchFamily="34" charset="0"/>
+              </a:rPr>
+              <a:t>International journal of pharmaceutics</a:t>
+            </a:r>
+            <a:r>
+              <a:rPr lang="en-US" sz="1100" b="0" i="0" dirty="0">
+                <a:solidFill>
+                  <a:srgbClr val="222222"/>
+                </a:solidFill>
+                <a:effectLst/>
+                <a:latin typeface="Arial" panose="020B0604020202020204" pitchFamily="34" charset="0"/>
+              </a:rPr>
+              <a:t> 274.1-2 (2004): 131-138.</a:t>
+            </a:r>
+            <a:endParaRPr lang="en-US" sz="1100" dirty="0"/>
+          </a:p>
+        </p:txBody>
+      </p:sp>
+      <p:pic>
+        <p:nvPicPr>
+          <p:cNvPr id="8" name="Picture 7">
+            <a:extLst>
+              <a:ext uri="{FF2B5EF4-FFF2-40B4-BE49-F238E27FC236}">
+                <a16:creationId xmlns:a16="http://schemas.microsoft.com/office/drawing/2014/main" id="{61FA5139-6FBE-21B5-29DC-6A9075FE1D55}"/>
+              </a:ext>
+            </a:extLst>
+          </p:cNvPr>
+          <p:cNvPicPr>
+            <a:picLocks noChangeAspect="1"/>
+          </p:cNvPicPr>
+          <p:nvPr/>
+        </p:nvPicPr>
+        <p:blipFill>
+          <a:blip r:embed="rId3"/>
+          <a:stretch>
+            <a:fillRect/>
+          </a:stretch>
+        </p:blipFill>
+        <p:spPr>
+          <a:xfrm>
+            <a:off x="8520545" y="382387"/>
+            <a:ext cx="3170786" cy="2816328"/>
+          </a:xfrm>
+          <a:prstGeom prst="rect">
+            <a:avLst/>
+          </a:prstGeom>
+        </p:spPr>
+      </p:pic>
+      <p:pic>
+        <p:nvPicPr>
+          <p:cNvPr id="1030" name="Picture 6" descr="Force-displacement profile showing the plastic deformation and frictional work, and the elastic deformation areas. ">
+            <a:extLst>
+              <a:ext uri="{FF2B5EF4-FFF2-40B4-BE49-F238E27FC236}">
+                <a16:creationId xmlns:a16="http://schemas.microsoft.com/office/drawing/2014/main" id="{548FDEB2-F3E3-809E-2431-7B4D0DA4DD7E}"/>
+              </a:ext>
+            </a:extLst>
+          </p:cNvPr>
+          <p:cNvPicPr>
+            <a:picLocks noChangeAspect="1" noChangeArrowheads="1"/>
+          </p:cNvPicPr>
+          <p:nvPr/>
+        </p:nvPicPr>
+        <p:blipFill>
+          <a:blip r:embed="rId4">
+            <a:extLst>
+              <a:ext uri="{28A0092B-C50C-407E-A947-70E740481C1C}">
+                <a14:useLocalDpi xmlns:a14="http://schemas.microsoft.com/office/drawing/2010/main" val="0"/>
+              </a:ext>
+            </a:extLst>
+          </a:blip>
+          <a:srcRect/>
+          <a:stretch>
+            <a:fillRect/>
+          </a:stretch>
+        </p:blipFill>
+        <p:spPr bwMode="auto">
+          <a:xfrm>
+            <a:off x="7141663" y="3491345"/>
+            <a:ext cx="4022210" cy="2701635"/>
+          </a:xfrm>
+          <a:prstGeom prst="rect">
+            <a:avLst/>
+          </a:prstGeom>
+          <a:noFill/>
+          <a:extLst>
+            <a:ext uri="{909E8E84-426E-40DD-AFC4-6F175D3DCCD1}">
+              <a14:hiddenFill xmlns:a14="http://schemas.microsoft.com/office/drawing/2010/main">
+                <a:solidFill>
+                  <a:srgbClr val="FFFFFF"/>
+                </a:solidFill>
+              </a14:hiddenFill>
+            </a:ext>
+          </a:extLst>
+        </p:spPr>
+      </p:pic>
+      <p:sp>
+        <p:nvSpPr>
+          <p:cNvPr id="9" name="TextBox 8">
+            <a:extLst>
+              <a:ext uri="{FF2B5EF4-FFF2-40B4-BE49-F238E27FC236}">
+                <a16:creationId xmlns:a16="http://schemas.microsoft.com/office/drawing/2014/main" id="{D0C98FD4-3AC3-95CA-D344-2AFC08B729A8}"/>
+              </a:ext>
+            </a:extLst>
+          </p:cNvPr>
+          <p:cNvSpPr txBox="1"/>
+          <p:nvPr/>
+        </p:nvSpPr>
+        <p:spPr>
+          <a:xfrm rot="16200000">
+            <a:off x="5839552" y="4640029"/>
+            <a:ext cx="2151311" cy="369332"/>
+          </a:xfrm>
+          <a:prstGeom prst="rect">
+            <a:avLst/>
+          </a:prstGeom>
+          <a:noFill/>
+        </p:spPr>
+        <p:txBody>
+          <a:bodyPr wrap="square" rtlCol="0">
+            <a:spAutoFit/>
+          </a:bodyPr>
+          <a:lstStyle/>
+          <a:p>
+            <a:r>
+              <a:rPr lang="en-US" dirty="0"/>
+              <a:t>Compression stress</a:t>
+            </a:r>
+          </a:p>
+        </p:txBody>
+      </p:sp>
+      <p:sp>
+        <p:nvSpPr>
+          <p:cNvPr id="10" name="TextBox 9">
+            <a:extLst>
+              <a:ext uri="{FF2B5EF4-FFF2-40B4-BE49-F238E27FC236}">
+                <a16:creationId xmlns:a16="http://schemas.microsoft.com/office/drawing/2014/main" id="{8AA80D71-F694-5D66-3A37-5B1BC9D9D1FE}"/>
+              </a:ext>
+            </a:extLst>
+          </p:cNvPr>
+          <p:cNvSpPr txBox="1"/>
+          <p:nvPr/>
+        </p:nvSpPr>
+        <p:spPr>
+          <a:xfrm>
+            <a:off x="7888660" y="6192980"/>
+            <a:ext cx="1621101" cy="369332"/>
+          </a:xfrm>
+          <a:prstGeom prst="rect">
+            <a:avLst/>
+          </a:prstGeom>
+          <a:noFill/>
+        </p:spPr>
+        <p:txBody>
+          <a:bodyPr wrap="square" rtlCol="0">
+            <a:spAutoFit/>
+          </a:bodyPr>
+          <a:lstStyle/>
+          <a:p>
+            <a:r>
+              <a:rPr lang="en-US" dirty="0"/>
+              <a:t>Displacement </a:t>
+            </a:r>
+          </a:p>
+        </p:txBody>
+      </p:sp>
+    </p:spTree>
+    <p:extLst>
+      <p:ext uri="{BB962C8B-B14F-4D97-AF65-F5344CB8AC3E}">
+        <p14:creationId xmlns:p14="http://schemas.microsoft.com/office/powerpoint/2010/main" val="1121128965"/>
       </p:ext>
     </p:extLst>
   </p:cSld>

--- a/lamination.pptx
+++ b/lamination.pptx
@@ -3672,7 +3672,7 @@
             </a:pPr>
             <a:r>
               <a:rPr lang="en-US" sz="1600" dirty="0"/>
-              <a:t>Happens during ejection</a:t>
+              <a:t>Happens during ejection </a:t>
             </a:r>
           </a:p>
           <a:p>

--- a/lamination.pptx
+++ b/lamination.pptx
@@ -3589,8 +3589,13 @@
             </a:pPr>
             <a:r>
               <a:rPr lang="en-US" sz="1600" dirty="0"/>
-              <a:t>Worse for ductile materials, i.e., materials that can be compressed very close to their true density</a:t>
-            </a:r>
+              <a:t>Worse for ductile materials, i.e., materials that can be compressed very close to their </a:t>
+            </a:r>
+            <a:r>
+              <a:rPr lang="en-US" sz="1600"/>
+              <a:t>true density </a:t>
+            </a:r>
+            <a:endParaRPr lang="en-US" sz="1600" dirty="0"/>
           </a:p>
           <a:p>
             <a:endParaRPr lang="en-US" dirty="0"/>

--- a/lamination.pptx
+++ b/lamination.pptx
@@ -7,6 +7,7 @@
   <p:sldIdLst>
     <p:sldId id="256" r:id="rId2"/>
     <p:sldId id="257" r:id="rId3"/>
+    <p:sldId id="258" r:id="rId4"/>
   </p:sldIdLst>
   <p:sldSz cx="12192000" cy="6858000"/>
   <p:notesSz cx="6858000" cy="9144000"/>
@@ -3386,8 +3387,8 @@
         </p:blipFill>
         <p:spPr>
           <a:xfrm>
-            <a:off x="805443" y="451604"/>
-            <a:ext cx="8825367" cy="2759771"/>
+            <a:off x="1612669" y="408065"/>
+            <a:ext cx="7793697" cy="2437159"/>
           </a:xfrm>
           <a:prstGeom prst="rect">
             <a:avLst/>
@@ -3408,7 +3409,7 @@
         </p:nvSpPr>
         <p:spPr>
           <a:xfrm>
-            <a:off x="515389" y="3167149"/>
+            <a:off x="606829" y="2820108"/>
             <a:ext cx="2743200" cy="369332"/>
           </a:xfrm>
           <a:prstGeom prst="rect">
@@ -3424,13 +3425,8 @@
           <a:p>
             <a:r>
               <a:rPr lang="en-US" dirty="0"/>
-              <a:t>1. </a:t>
-            </a:r>
-            <a:r>
-              <a:rPr lang="en-US"/>
-              <a:t>Air entrapment </a:t>
-            </a:r>
-            <a:endParaRPr lang="en-US" dirty="0"/>
+              <a:t>1. Air entrapment </a:t>
+            </a:r>
           </a:p>
         </p:txBody>
       </p:sp>
@@ -3448,7 +3444,7 @@
         </p:nvSpPr>
         <p:spPr>
           <a:xfrm>
-            <a:off x="4768733" y="3164324"/>
+            <a:off x="4896196" y="2821528"/>
             <a:ext cx="2743200" cy="369332"/>
           </a:xfrm>
           <a:prstGeom prst="rect">
@@ -3483,7 +3479,7 @@
         </p:nvSpPr>
         <p:spPr>
           <a:xfrm>
-            <a:off x="8246226" y="3164324"/>
+            <a:off x="8246226" y="2820108"/>
             <a:ext cx="3490477" cy="369332"/>
           </a:xfrm>
           <a:prstGeom prst="rect">
@@ -3520,7 +3516,7 @@
         </p:nvCxnSpPr>
         <p:spPr>
           <a:xfrm>
-            <a:off x="1438102" y="3533656"/>
+            <a:off x="1496291" y="3293334"/>
             <a:ext cx="0" cy="788962"/>
           </a:xfrm>
           <a:prstGeom prst="straightConnector1">
@@ -3559,7 +3555,7 @@
         </p:nvSpPr>
         <p:spPr>
           <a:xfrm>
-            <a:off x="114992" y="4362266"/>
+            <a:off x="131616" y="4107174"/>
             <a:ext cx="3543994" cy="2092881"/>
           </a:xfrm>
           <a:prstGeom prst="rect">
@@ -3618,7 +3614,7 @@
         </p:nvCxnSpPr>
         <p:spPr>
           <a:xfrm>
-            <a:off x="5597236" y="3533656"/>
+            <a:off x="5663738" y="3189440"/>
             <a:ext cx="0" cy="788962"/>
           </a:xfrm>
           <a:prstGeom prst="straightConnector1">
@@ -3657,7 +3653,7 @@
         </p:nvSpPr>
         <p:spPr>
           <a:xfrm>
-            <a:off x="3857105" y="4362266"/>
+            <a:off x="3886894" y="4072285"/>
             <a:ext cx="4055225" cy="1569660"/>
           </a:xfrm>
           <a:prstGeom prst="rect">
@@ -3716,7 +3712,7 @@
         </p:nvSpPr>
         <p:spPr>
           <a:xfrm>
-            <a:off x="8093825" y="4322618"/>
+            <a:off x="8219467" y="4066374"/>
             <a:ext cx="3543994" cy="830997"/>
           </a:xfrm>
           <a:prstGeom prst="rect">
@@ -3777,7 +3773,7 @@
         </p:nvCxnSpPr>
         <p:spPr>
           <a:xfrm>
-            <a:off x="9630810" y="3533656"/>
+            <a:off x="9755501" y="3189440"/>
             <a:ext cx="0" cy="788962"/>
           </a:xfrm>
           <a:prstGeom prst="straightConnector1">
@@ -3833,6 +3829,82 @@
             <a:r>
               <a:rPr lang="en-US" b="1" u="sng" dirty="0"/>
               <a:t>Types of lamination</a:t>
+            </a:r>
+          </a:p>
+        </p:txBody>
+      </p:sp>
+      <p:cxnSp>
+        <p:nvCxnSpPr>
+          <p:cNvPr id="3" name="Straight Arrow Connector 2">
+            <a:extLst>
+              <a:ext uri="{FF2B5EF4-FFF2-40B4-BE49-F238E27FC236}">
+                <a16:creationId xmlns:a16="http://schemas.microsoft.com/office/drawing/2014/main" id="{436589DD-DC15-F636-C20E-4176060BDB6D}"/>
+              </a:ext>
+            </a:extLst>
+          </p:cNvPr>
+          <p:cNvCxnSpPr/>
+          <p:nvPr/>
+        </p:nvCxnSpPr>
+        <p:spPr>
+          <a:xfrm>
+            <a:off x="3965171" y="5827222"/>
+            <a:ext cx="7564582" cy="0"/>
+          </a:xfrm>
+          <a:prstGeom prst="straightConnector1">
+            <a:avLst/>
+          </a:prstGeom>
+          <a:ln w="57150">
+            <a:headEnd type="triangle"/>
+            <a:tailEnd type="triangle"/>
+          </a:ln>
+        </p:spPr>
+        <p:style>
+          <a:lnRef idx="1">
+            <a:schemeClr val="accent1"/>
+          </a:lnRef>
+          <a:fillRef idx="0">
+            <a:schemeClr val="accent1"/>
+          </a:fillRef>
+          <a:effectRef idx="0">
+            <a:schemeClr val="accent1"/>
+          </a:effectRef>
+          <a:fontRef idx="minor">
+            <a:schemeClr val="tx1"/>
+          </a:fontRef>
+        </p:style>
+      </p:cxnSp>
+      <p:sp>
+        <p:nvSpPr>
+          <p:cNvPr id="4" name="TextBox 3">
+            <a:extLst>
+              <a:ext uri="{FF2B5EF4-FFF2-40B4-BE49-F238E27FC236}">
+                <a16:creationId xmlns:a16="http://schemas.microsoft.com/office/drawing/2014/main" id="{BFC60AA1-6556-AFD3-AE2D-783CB73FE0E1}"/>
+              </a:ext>
+            </a:extLst>
+          </p:cNvPr>
+          <p:cNvSpPr txBox="1"/>
+          <p:nvPr/>
+        </p:nvSpPr>
+        <p:spPr>
+          <a:xfrm>
+            <a:off x="4214552" y="6100126"/>
+            <a:ext cx="6849687" cy="646331"/>
+          </a:xfrm>
+          <a:prstGeom prst="rect">
+            <a:avLst/>
+          </a:prstGeom>
+          <a:noFill/>
+        </p:spPr>
+        <p:txBody>
+          <a:bodyPr wrap="square" rtlCol="0">
+            <a:spAutoFit/>
+          </a:bodyPr>
+          <a:lstStyle/>
+          <a:p>
+            <a:pPr algn="ctr"/>
+            <a:r>
+              <a:rPr lang="en-US" dirty="0"/>
+              <a:t>A plot of tensile strength vs residual stress is helpful to map out the failures due to either of these mechanisms</a:t>
             </a:r>
           </a:p>
         </p:txBody>
@@ -4127,6 +4199,3555 @@
     <p:extLst>
       <p:ext uri="{BB962C8B-B14F-4D97-AF65-F5344CB8AC3E}">
         <p14:creationId xmlns:p14="http://schemas.microsoft.com/office/powerpoint/2010/main" val="1121128965"/>
+      </p:ext>
+    </p:extLst>
+  </p:cSld>
+  <p:clrMapOvr>
+    <a:masterClrMapping/>
+  </p:clrMapOvr>
+</p:sld>
+</file>
+
+<file path=ppt/slides/slide3.xml><?xml version="1.0" encoding="utf-8"?>
+<p:sld xmlns:a="http://schemas.openxmlformats.org/drawingml/2006/main" xmlns:r="http://schemas.openxmlformats.org/officeDocument/2006/relationships" xmlns:p="http://schemas.openxmlformats.org/presentationml/2006/main">
+  <p:cSld>
+    <p:spTree>
+      <p:nvGrpSpPr>
+        <p:cNvPr id="1" name=""/>
+        <p:cNvGrpSpPr/>
+        <p:nvPr/>
+      </p:nvGrpSpPr>
+      <p:grpSpPr>
+        <a:xfrm>
+          <a:off x="0" y="0"/>
+          <a:ext cx="0" cy="0"/>
+          <a:chOff x="0" y="0"/>
+          <a:chExt cx="0" cy="0"/>
+        </a:xfrm>
+      </p:grpSpPr>
+      <mc:AlternateContent xmlns:mc="http://schemas.openxmlformats.org/markup-compatibility/2006">
+        <mc:Choice xmlns:a14="http://schemas.microsoft.com/office/drawing/2010/main" Requires="a14">
+          <p:graphicFrame>
+            <p:nvGraphicFramePr>
+              <p:cNvPr id="2" name="Table 1">
+                <a:extLst>
+                  <a:ext uri="{FF2B5EF4-FFF2-40B4-BE49-F238E27FC236}">
+                    <a16:creationId xmlns:a16="http://schemas.microsoft.com/office/drawing/2014/main" id="{4A9A232C-9425-31EE-5B3D-D307000E19CC}"/>
+                  </a:ext>
+                </a:extLst>
+              </p:cNvPr>
+              <p:cNvGraphicFramePr>
+                <a:graphicFrameLocks noGrp="1"/>
+              </p:cNvGraphicFramePr>
+              <p:nvPr>
+                <p:extLst>
+                  <p:ext uri="{D42A27DB-BD31-4B8C-83A1-F6EECF244321}">
+                    <p14:modId xmlns:p14="http://schemas.microsoft.com/office/powerpoint/2010/main" val="2158845131"/>
+                  </p:ext>
+                </p:extLst>
+              </p:nvPr>
+            </p:nvGraphicFramePr>
+            <p:xfrm>
+              <a:off x="124691" y="1068801"/>
+              <a:ext cx="11363498" cy="3977640"/>
+            </p:xfrm>
+            <a:graphic>
+              <a:graphicData uri="http://schemas.openxmlformats.org/drawingml/2006/table">
+                <a:tbl>
+                  <a:tblPr firstRow="1" bandRow="1">
+                    <a:tableStyleId>{5940675A-B579-460E-94D1-54222C63F5DA}</a:tableStyleId>
+                  </a:tblPr>
+                  <a:tblGrid>
+                    <a:gridCol w="2593571">
+                      <a:extLst>
+                        <a:ext uri="{9D8B030D-6E8A-4147-A177-3AD203B41FA5}">
+                          <a16:colId xmlns:a16="http://schemas.microsoft.com/office/drawing/2014/main" val="2805519973"/>
+                        </a:ext>
+                      </a:extLst>
+                    </a:gridCol>
+                    <a:gridCol w="1080654">
+                      <a:extLst>
+                        <a:ext uri="{9D8B030D-6E8A-4147-A177-3AD203B41FA5}">
+                          <a16:colId xmlns:a16="http://schemas.microsoft.com/office/drawing/2014/main" val="4016827727"/>
+                        </a:ext>
+                      </a:extLst>
+                    </a:gridCol>
+                    <a:gridCol w="931026">
+                      <a:extLst>
+                        <a:ext uri="{9D8B030D-6E8A-4147-A177-3AD203B41FA5}">
+                          <a16:colId xmlns:a16="http://schemas.microsoft.com/office/drawing/2014/main" val="2860133826"/>
+                        </a:ext>
+                      </a:extLst>
+                    </a:gridCol>
+                    <a:gridCol w="1055716">
+                      <a:extLst>
+                        <a:ext uri="{9D8B030D-6E8A-4147-A177-3AD203B41FA5}">
+                          <a16:colId xmlns:a16="http://schemas.microsoft.com/office/drawing/2014/main" val="1530851762"/>
+                        </a:ext>
+                      </a:extLst>
+                    </a:gridCol>
+                    <a:gridCol w="1039091">
+                      <a:extLst>
+                        <a:ext uri="{9D8B030D-6E8A-4147-A177-3AD203B41FA5}">
+                          <a16:colId xmlns:a16="http://schemas.microsoft.com/office/drawing/2014/main" val="130545052"/>
+                        </a:ext>
+                      </a:extLst>
+                    </a:gridCol>
+                    <a:gridCol w="1005840">
+                      <a:extLst>
+                        <a:ext uri="{9D8B030D-6E8A-4147-A177-3AD203B41FA5}">
+                          <a16:colId xmlns:a16="http://schemas.microsoft.com/office/drawing/2014/main" val="500598313"/>
+                        </a:ext>
+                      </a:extLst>
+                    </a:gridCol>
+                    <a:gridCol w="964276">
+                      <a:extLst>
+                        <a:ext uri="{9D8B030D-6E8A-4147-A177-3AD203B41FA5}">
+                          <a16:colId xmlns:a16="http://schemas.microsoft.com/office/drawing/2014/main" val="231716360"/>
+                        </a:ext>
+                      </a:extLst>
+                    </a:gridCol>
+                    <a:gridCol w="839586">
+                      <a:extLst>
+                        <a:ext uri="{9D8B030D-6E8A-4147-A177-3AD203B41FA5}">
+                          <a16:colId xmlns:a16="http://schemas.microsoft.com/office/drawing/2014/main" val="320156965"/>
+                        </a:ext>
+                      </a:extLst>
+                    </a:gridCol>
+                    <a:gridCol w="816024">
+                      <a:extLst>
+                        <a:ext uri="{9D8B030D-6E8A-4147-A177-3AD203B41FA5}">
+                          <a16:colId xmlns:a16="http://schemas.microsoft.com/office/drawing/2014/main" val="654496072"/>
+                        </a:ext>
+                      </a:extLst>
+                    </a:gridCol>
+                    <a:gridCol w="1037714">
+                      <a:extLst>
+                        <a:ext uri="{9D8B030D-6E8A-4147-A177-3AD203B41FA5}">
+                          <a16:colId xmlns:a16="http://schemas.microsoft.com/office/drawing/2014/main" val="848544420"/>
+                        </a:ext>
+                      </a:extLst>
+                    </a:gridCol>
+                  </a:tblGrid>
+                  <a:tr h="370840">
+                    <a:tc>
+                      <a:txBody>
+                        <a:bodyPr/>
+                        <a:lstStyle/>
+                        <a:p>
+                          <a:pPr algn="ctr"/>
+                          <a:endParaRPr lang="en-US" dirty="0"/>
+                        </a:p>
+                      </a:txBody>
+                      <a:tcPr/>
+                    </a:tc>
+                    <a:tc>
+                      <a:txBody>
+                        <a:bodyPr/>
+                        <a:lstStyle/>
+                        <a:p>
+                          <a:pPr algn="ctr"/>
+                          <a:r>
+                            <a:rPr lang="en-US" dirty="0"/>
+                            <a:t>G </a:t>
+                          </a:r>
+                        </a:p>
+                        <a:p>
+                          <a:pPr algn="ctr"/>
+                          <a:r>
+                            <a:rPr lang="en-US" dirty="0"/>
+                            <a:t>(</a:t>
+                          </a:r>
+                          <a:r>
+                            <a:rPr lang="en-US" dirty="0" err="1"/>
+                            <a:t>GPa</a:t>
+                          </a:r>
+                          <a:r>
+                            <a:rPr lang="en-US" dirty="0"/>
+                            <a:t>)</a:t>
+                          </a:r>
+                        </a:p>
+                      </a:txBody>
+                      <a:tcPr/>
+                    </a:tc>
+                    <a:tc>
+                      <a:txBody>
+                        <a:bodyPr/>
+                        <a:lstStyle/>
+                        <a:p>
+                          <a:pPr algn="ctr"/>
+                          <a:r>
+                            <a:rPr lang="en-US" dirty="0"/>
+                            <a:t>K </a:t>
+                          </a:r>
+                        </a:p>
+                        <a:p>
+                          <a:pPr algn="ctr"/>
+                          <a:r>
+                            <a:rPr lang="en-US" dirty="0"/>
+                            <a:t>(</a:t>
+                          </a:r>
+                          <a:r>
+                            <a:rPr lang="en-US" dirty="0" err="1"/>
+                            <a:t>GPa</a:t>
+                          </a:r>
+                          <a:r>
+                            <a:rPr lang="en-US" dirty="0"/>
+                            <a:t>)</a:t>
+                          </a:r>
+                        </a:p>
+                      </a:txBody>
+                      <a:tcPr/>
+                    </a:tc>
+                    <a:tc>
+                      <a:txBody>
+                        <a:bodyPr/>
+                        <a:lstStyle/>
+                        <a:p>
+                          <a:pPr algn="ctr"/>
+                          <a:r>
+                            <a:rPr lang="en-US" dirty="0"/>
+                            <a:t>E </a:t>
+                          </a:r>
+                        </a:p>
+                        <a:p>
+                          <a:pPr algn="ctr"/>
+                          <a:r>
+                            <a:rPr lang="en-US" dirty="0"/>
+                            <a:t>(</a:t>
+                          </a:r>
+                          <a:r>
+                            <a:rPr lang="en-US" dirty="0" err="1"/>
+                            <a:t>GPa</a:t>
+                          </a:r>
+                          <a:r>
+                            <a:rPr lang="en-US" dirty="0"/>
+                            <a:t>)</a:t>
+                          </a:r>
+                        </a:p>
+                      </a:txBody>
+                      <a:tcPr/>
+                    </a:tc>
+                    <a:tc>
+                      <a:txBody>
+                        <a:bodyPr/>
+                        <a:lstStyle/>
+                        <a:p>
+                          <a:pPr algn="ctr"/>
+                          <a:r>
+                            <a:rPr lang="en-US" dirty="0"/>
+                            <a:t>RS</a:t>
+                          </a:r>
+                          <a:br>
+                            <a:rPr lang="en-US" dirty="0"/>
+                          </a:br>
+                          <a:r>
+                            <a:rPr lang="en-US" dirty="0"/>
+                            <a:t>(MPa)</a:t>
+                          </a:r>
+                        </a:p>
+                      </a:txBody>
+                      <a:tcPr/>
+                    </a:tc>
+                    <a:tc>
+                      <a:txBody>
+                        <a:bodyPr/>
+                        <a:lstStyle/>
+                        <a:p>
+                          <a:pPr algn="ctr"/>
+                          <a:r>
+                            <a:rPr lang="en-US" dirty="0"/>
+                            <a:t>EF </a:t>
+                          </a:r>
+                        </a:p>
+                        <a:p>
+                          <a:pPr algn="ctr"/>
+                          <a:r>
+                            <a:rPr lang="en-US" dirty="0"/>
+                            <a:t>(N)</a:t>
+                          </a:r>
+                        </a:p>
+                      </a:txBody>
+                      <a:tcPr/>
+                    </a:tc>
+                    <a:tc>
+                      <a:txBody>
+                        <a:bodyPr/>
+                        <a:lstStyle/>
+                        <a:p>
+                          <a:pPr algn="ctr"/>
+                          <a:r>
+                            <a:rPr lang="en-US" dirty="0"/>
+                            <a:t>M </a:t>
+                          </a:r>
+                        </a:p>
+                        <a:p>
+                          <a:pPr algn="ctr"/>
+                          <a:r>
+                            <a:rPr lang="en-US" dirty="0"/>
+                            <a:t>(</a:t>
+                          </a:r>
+                          <a:r>
+                            <a:rPr lang="en-US" dirty="0" err="1"/>
+                            <a:t>GPa</a:t>
+                          </a:r>
+                          <a:r>
+                            <a:rPr lang="en-US" dirty="0"/>
+                            <a:t>)</a:t>
+                          </a:r>
+                        </a:p>
+                      </a:txBody>
+                      <a:tcPr/>
+                    </a:tc>
+                    <a:tc>
+                      <a:txBody>
+                        <a:bodyPr/>
+                        <a:lstStyle/>
+                        <a:p>
+                          <a:pPr algn="ctr"/>
+                          <a14:m>
+                            <m:oMathPara xmlns:m="http://schemas.openxmlformats.org/officeDocument/2006/math">
+                              <m:oMathParaPr>
+                                <m:jc m:val="centerGroup"/>
+                              </m:oMathParaPr>
+                              <m:oMath xmlns:m="http://schemas.openxmlformats.org/officeDocument/2006/math">
+                                <m:r>
+                                  <a:rPr lang="en-US" smtClean="0"/>
+                                  <m:t>𝝂</m:t>
+                                </m:r>
+                              </m:oMath>
+                            </m:oMathPara>
+                          </a14:m>
+                          <a:endParaRPr lang="en-US" dirty="0"/>
+                        </a:p>
+                      </a:txBody>
+                      <a:tcPr/>
+                    </a:tc>
+                    <a:tc>
+                      <a:txBody>
+                        <a:bodyPr/>
+                        <a:lstStyle/>
+                        <a:p>
+                          <a:pPr algn="ctr"/>
+                          <a:r>
+                            <a:rPr lang="el-GR" dirty="0"/>
+                            <a:t>μ</a:t>
+                          </a:r>
+                          <a:endParaRPr lang="en-US" dirty="0"/>
+                        </a:p>
+                      </a:txBody>
+                      <a:tcPr/>
+                    </a:tc>
+                    <a:tc>
+                      <a:txBody>
+                        <a:bodyPr/>
+                        <a:lstStyle/>
+                        <a:p>
+                          <a:pPr algn="ctr"/>
+                          <a:r>
+                            <a:rPr lang="el-GR" dirty="0"/>
+                            <a:t>σ</a:t>
+                          </a:r>
+                          <a:r>
+                            <a:rPr lang="en-US" dirty="0"/>
+                            <a:t> </a:t>
+                          </a:r>
+                        </a:p>
+                        <a:p>
+                          <a:pPr algn="ctr"/>
+                          <a:r>
+                            <a:rPr lang="en-US" dirty="0"/>
+                            <a:t>(MPa)</a:t>
+                          </a:r>
+                        </a:p>
+                      </a:txBody>
+                      <a:tcPr/>
+                    </a:tc>
+                    <a:extLst>
+                      <a:ext uri="{0D108BD9-81ED-4DB2-BD59-A6C34878D82A}">
+                        <a16:rowId xmlns:a16="http://schemas.microsoft.com/office/drawing/2014/main" val="896874898"/>
+                      </a:ext>
+                    </a:extLst>
+                  </a:tr>
+                  <a:tr h="370840">
+                    <a:tc>
+                      <a:txBody>
+                        <a:bodyPr/>
+                        <a:lstStyle/>
+                        <a:p>
+                          <a:pPr algn="l"/>
+                          <a:r>
+                            <a:rPr lang="en-US" sz="1400" b="1" dirty="0"/>
+                            <a:t>Shear Modulus G (</a:t>
+                          </a:r>
+                          <a:r>
+                            <a:rPr lang="en-US" sz="1400" b="1" dirty="0" err="1"/>
+                            <a:t>GPa</a:t>
+                          </a:r>
+                          <a:r>
+                            <a:rPr lang="en-US" sz="1400" b="1" dirty="0"/>
+                            <a:t>)</a:t>
+                          </a:r>
+                        </a:p>
+                      </a:txBody>
+                      <a:tcPr/>
+                    </a:tc>
+                    <a:tc>
+                      <a:txBody>
+                        <a:bodyPr/>
+                        <a:lstStyle/>
+                        <a:p>
+                          <a:pPr algn="ctr"/>
+                          <a:r>
+                            <a:rPr lang="en-US" dirty="0"/>
+                            <a:t>1</a:t>
+                          </a:r>
+                        </a:p>
+                      </a:txBody>
+                      <a:tcPr/>
+                    </a:tc>
+                    <a:tc>
+                      <a:txBody>
+                        <a:bodyPr/>
+                        <a:lstStyle/>
+                        <a:p>
+                          <a:pPr algn="ctr"/>
+                          <a:endParaRPr lang="en-US" dirty="0"/>
+                        </a:p>
+                      </a:txBody>
+                      <a:tcPr/>
+                    </a:tc>
+                    <a:tc>
+                      <a:txBody>
+                        <a:bodyPr/>
+                        <a:lstStyle/>
+                        <a:p>
+                          <a:pPr algn="ctr"/>
+                          <a:endParaRPr lang="en-US" dirty="0"/>
+                        </a:p>
+                      </a:txBody>
+                      <a:tcPr/>
+                    </a:tc>
+                    <a:tc>
+                      <a:txBody>
+                        <a:bodyPr/>
+                        <a:lstStyle/>
+                        <a:p>
+                          <a:pPr algn="ctr"/>
+                          <a:endParaRPr lang="en-US"/>
+                        </a:p>
+                      </a:txBody>
+                      <a:tcPr/>
+                    </a:tc>
+                    <a:tc>
+                      <a:txBody>
+                        <a:bodyPr/>
+                        <a:lstStyle/>
+                        <a:p>
+                          <a:pPr algn="ctr"/>
+                          <a:endParaRPr lang="en-US"/>
+                        </a:p>
+                      </a:txBody>
+                      <a:tcPr/>
+                    </a:tc>
+                    <a:tc>
+                      <a:txBody>
+                        <a:bodyPr/>
+                        <a:lstStyle/>
+                        <a:p>
+                          <a:pPr algn="ctr"/>
+                          <a:endParaRPr lang="en-US"/>
+                        </a:p>
+                      </a:txBody>
+                      <a:tcPr/>
+                    </a:tc>
+                    <a:tc>
+                      <a:txBody>
+                        <a:bodyPr/>
+                        <a:lstStyle/>
+                        <a:p>
+                          <a:pPr algn="ctr"/>
+                          <a:endParaRPr lang="en-US"/>
+                        </a:p>
+                      </a:txBody>
+                      <a:tcPr/>
+                    </a:tc>
+                    <a:tc>
+                      <a:txBody>
+                        <a:bodyPr/>
+                        <a:lstStyle/>
+                        <a:p>
+                          <a:pPr algn="ctr"/>
+                          <a:endParaRPr lang="en-US"/>
+                        </a:p>
+                      </a:txBody>
+                      <a:tcPr/>
+                    </a:tc>
+                    <a:tc>
+                      <a:txBody>
+                        <a:bodyPr/>
+                        <a:lstStyle/>
+                        <a:p>
+                          <a:pPr algn="ctr"/>
+                          <a:endParaRPr lang="en-US"/>
+                        </a:p>
+                      </a:txBody>
+                      <a:tcPr/>
+                    </a:tc>
+                    <a:extLst>
+                      <a:ext uri="{0D108BD9-81ED-4DB2-BD59-A6C34878D82A}">
+                        <a16:rowId xmlns:a16="http://schemas.microsoft.com/office/drawing/2014/main" val="2495408932"/>
+                      </a:ext>
+                    </a:extLst>
+                  </a:tr>
+                  <a:tr h="370840">
+                    <a:tc>
+                      <a:txBody>
+                        <a:bodyPr/>
+                        <a:lstStyle/>
+                        <a:p>
+                          <a:pPr algn="l"/>
+                          <a:r>
+                            <a:rPr lang="en-US" sz="1400" b="1" dirty="0"/>
+                            <a:t>Bulk Modulus K (</a:t>
+                          </a:r>
+                          <a:r>
+                            <a:rPr lang="en-US" sz="1400" b="1" dirty="0" err="1"/>
+                            <a:t>GPa</a:t>
+                          </a:r>
+                          <a:r>
+                            <a:rPr lang="en-US" sz="1400" b="1" dirty="0"/>
+                            <a:t>)</a:t>
+                          </a:r>
+                        </a:p>
+                      </a:txBody>
+                      <a:tcPr/>
+                    </a:tc>
+                    <a:tc>
+                      <a:txBody>
+                        <a:bodyPr/>
+                        <a:lstStyle/>
+                        <a:p>
+                          <a:pPr algn="ctr"/>
+                          <a:r>
+                            <a:rPr lang="en-US" dirty="0"/>
+                            <a:t>0.81</a:t>
+                          </a:r>
+                        </a:p>
+                      </a:txBody>
+                      <a:tcPr/>
+                    </a:tc>
+                    <a:tc>
+                      <a:txBody>
+                        <a:bodyPr/>
+                        <a:lstStyle/>
+                        <a:p>
+                          <a:pPr algn="ctr"/>
+                          <a:r>
+                            <a:rPr lang="en-US" dirty="0"/>
+                            <a:t>1</a:t>
+                          </a:r>
+                        </a:p>
+                      </a:txBody>
+                      <a:tcPr/>
+                    </a:tc>
+                    <a:tc>
+                      <a:txBody>
+                        <a:bodyPr/>
+                        <a:lstStyle/>
+                        <a:p>
+                          <a:pPr algn="ctr"/>
+                          <a:endParaRPr lang="en-US" dirty="0"/>
+                        </a:p>
+                      </a:txBody>
+                      <a:tcPr/>
+                    </a:tc>
+                    <a:tc>
+                      <a:txBody>
+                        <a:bodyPr/>
+                        <a:lstStyle/>
+                        <a:p>
+                          <a:pPr algn="ctr"/>
+                          <a:endParaRPr lang="en-US"/>
+                        </a:p>
+                      </a:txBody>
+                      <a:tcPr/>
+                    </a:tc>
+                    <a:tc>
+                      <a:txBody>
+                        <a:bodyPr/>
+                        <a:lstStyle/>
+                        <a:p>
+                          <a:pPr algn="ctr"/>
+                          <a:endParaRPr lang="en-US"/>
+                        </a:p>
+                      </a:txBody>
+                      <a:tcPr/>
+                    </a:tc>
+                    <a:tc>
+                      <a:txBody>
+                        <a:bodyPr/>
+                        <a:lstStyle/>
+                        <a:p>
+                          <a:pPr algn="ctr"/>
+                          <a:endParaRPr lang="en-US"/>
+                        </a:p>
+                      </a:txBody>
+                      <a:tcPr/>
+                    </a:tc>
+                    <a:tc>
+                      <a:txBody>
+                        <a:bodyPr/>
+                        <a:lstStyle/>
+                        <a:p>
+                          <a:pPr algn="ctr"/>
+                          <a:endParaRPr lang="en-US"/>
+                        </a:p>
+                      </a:txBody>
+                      <a:tcPr/>
+                    </a:tc>
+                    <a:tc>
+                      <a:txBody>
+                        <a:bodyPr/>
+                        <a:lstStyle/>
+                        <a:p>
+                          <a:pPr algn="ctr"/>
+                          <a:endParaRPr lang="en-US"/>
+                        </a:p>
+                      </a:txBody>
+                      <a:tcPr/>
+                    </a:tc>
+                    <a:tc>
+                      <a:txBody>
+                        <a:bodyPr/>
+                        <a:lstStyle/>
+                        <a:p>
+                          <a:pPr algn="ctr"/>
+                          <a:endParaRPr lang="en-US"/>
+                        </a:p>
+                      </a:txBody>
+                      <a:tcPr/>
+                    </a:tc>
+                    <a:extLst>
+                      <a:ext uri="{0D108BD9-81ED-4DB2-BD59-A6C34878D82A}">
+                        <a16:rowId xmlns:a16="http://schemas.microsoft.com/office/drawing/2014/main" val="3248278456"/>
+                      </a:ext>
+                    </a:extLst>
+                  </a:tr>
+                  <a:tr h="370840">
+                    <a:tc>
+                      <a:txBody>
+                        <a:bodyPr/>
+                        <a:lstStyle/>
+                        <a:p>
+                          <a:pPr algn="l"/>
+                          <a:r>
+                            <a:rPr lang="en-US" sz="1400" b="1" dirty="0"/>
+                            <a:t>Young Modulus E (</a:t>
+                          </a:r>
+                          <a:r>
+                            <a:rPr lang="en-US" sz="1400" b="1" dirty="0" err="1"/>
+                            <a:t>GPa</a:t>
+                          </a:r>
+                          <a:r>
+                            <a:rPr lang="en-US" sz="1400" b="1" dirty="0"/>
+                            <a:t>)</a:t>
+                          </a:r>
+                        </a:p>
+                      </a:txBody>
+                      <a:tcPr/>
+                    </a:tc>
+                    <a:tc>
+                      <a:txBody>
+                        <a:bodyPr/>
+                        <a:lstStyle/>
+                        <a:p>
+                          <a:pPr algn="ctr"/>
+                          <a:r>
+                            <a:rPr lang="en-US" dirty="0"/>
+                            <a:t>1.00</a:t>
+                          </a:r>
+                        </a:p>
+                      </a:txBody>
+                      <a:tcPr/>
+                    </a:tc>
+                    <a:tc>
+                      <a:txBody>
+                        <a:bodyPr/>
+                        <a:lstStyle/>
+                        <a:p>
+                          <a:pPr algn="ctr"/>
+                          <a:r>
+                            <a:rPr lang="en-US" dirty="0"/>
+                            <a:t>0.83</a:t>
+                          </a:r>
+                        </a:p>
+                      </a:txBody>
+                      <a:tcPr/>
+                    </a:tc>
+                    <a:tc>
+                      <a:txBody>
+                        <a:bodyPr/>
+                        <a:lstStyle/>
+                        <a:p>
+                          <a:pPr algn="ctr"/>
+                          <a:r>
+                            <a:rPr lang="en-US" dirty="0"/>
+                            <a:t>1</a:t>
+                          </a:r>
+                        </a:p>
+                      </a:txBody>
+                      <a:tcPr/>
+                    </a:tc>
+                    <a:tc>
+                      <a:txBody>
+                        <a:bodyPr/>
+                        <a:lstStyle/>
+                        <a:p>
+                          <a:pPr algn="ctr"/>
+                          <a:endParaRPr lang="en-US"/>
+                        </a:p>
+                      </a:txBody>
+                      <a:tcPr/>
+                    </a:tc>
+                    <a:tc>
+                      <a:txBody>
+                        <a:bodyPr/>
+                        <a:lstStyle/>
+                        <a:p>
+                          <a:pPr algn="ctr"/>
+                          <a:endParaRPr lang="en-US" dirty="0"/>
+                        </a:p>
+                      </a:txBody>
+                      <a:tcPr/>
+                    </a:tc>
+                    <a:tc>
+                      <a:txBody>
+                        <a:bodyPr/>
+                        <a:lstStyle/>
+                        <a:p>
+                          <a:pPr algn="ctr"/>
+                          <a:endParaRPr lang="en-US"/>
+                        </a:p>
+                      </a:txBody>
+                      <a:tcPr/>
+                    </a:tc>
+                    <a:tc>
+                      <a:txBody>
+                        <a:bodyPr/>
+                        <a:lstStyle/>
+                        <a:p>
+                          <a:pPr algn="ctr"/>
+                          <a:endParaRPr lang="en-US"/>
+                        </a:p>
+                      </a:txBody>
+                      <a:tcPr/>
+                    </a:tc>
+                    <a:tc>
+                      <a:txBody>
+                        <a:bodyPr/>
+                        <a:lstStyle/>
+                        <a:p>
+                          <a:pPr algn="ctr"/>
+                          <a:endParaRPr lang="en-US"/>
+                        </a:p>
+                      </a:txBody>
+                      <a:tcPr/>
+                    </a:tc>
+                    <a:tc>
+                      <a:txBody>
+                        <a:bodyPr/>
+                        <a:lstStyle/>
+                        <a:p>
+                          <a:pPr algn="ctr"/>
+                          <a:endParaRPr lang="en-US"/>
+                        </a:p>
+                      </a:txBody>
+                      <a:tcPr/>
+                    </a:tc>
+                    <a:extLst>
+                      <a:ext uri="{0D108BD9-81ED-4DB2-BD59-A6C34878D82A}">
+                        <a16:rowId xmlns:a16="http://schemas.microsoft.com/office/drawing/2014/main" val="2444292634"/>
+                      </a:ext>
+                    </a:extLst>
+                  </a:tr>
+                  <a:tr h="370840">
+                    <a:tc>
+                      <a:txBody>
+                        <a:bodyPr/>
+                        <a:lstStyle/>
+                        <a:p>
+                          <a:pPr algn="l"/>
+                          <a:r>
+                            <a:rPr lang="en-US" sz="1400" b="1" dirty="0"/>
+                            <a:t>Residual stress (MPa) [1]</a:t>
+                          </a:r>
+                        </a:p>
+                      </a:txBody>
+                      <a:tcPr/>
+                    </a:tc>
+                    <a:tc>
+                      <a:txBody>
+                        <a:bodyPr/>
+                        <a:lstStyle/>
+                        <a:p>
+                          <a:pPr algn="ctr"/>
+                          <a:r>
+                            <a:rPr lang="en-US" b="1" dirty="0">
+                              <a:solidFill>
+                                <a:srgbClr val="00B050"/>
+                              </a:solidFill>
+                            </a:rPr>
+                            <a:t>0.76</a:t>
+                          </a:r>
+                        </a:p>
+                      </a:txBody>
+                      <a:tcPr/>
+                    </a:tc>
+                    <a:tc>
+                      <a:txBody>
+                        <a:bodyPr/>
+                        <a:lstStyle/>
+                        <a:p>
+                          <a:pPr algn="ctr"/>
+                          <a:r>
+                            <a:rPr lang="en-US" b="1" dirty="0">
+                              <a:solidFill>
+                                <a:srgbClr val="00B050"/>
+                              </a:solidFill>
+                            </a:rPr>
+                            <a:t>0.79</a:t>
+                          </a:r>
+                        </a:p>
+                      </a:txBody>
+                      <a:tcPr/>
+                    </a:tc>
+                    <a:tc>
+                      <a:txBody>
+                        <a:bodyPr/>
+                        <a:lstStyle/>
+                        <a:p>
+                          <a:pPr algn="ctr"/>
+                          <a:r>
+                            <a:rPr lang="en-US" b="1" dirty="0">
+                              <a:solidFill>
+                                <a:srgbClr val="00B050"/>
+                              </a:solidFill>
+                            </a:rPr>
+                            <a:t>0.77</a:t>
+                          </a:r>
+                        </a:p>
+                      </a:txBody>
+                      <a:tcPr/>
+                    </a:tc>
+                    <a:tc>
+                      <a:txBody>
+                        <a:bodyPr/>
+                        <a:lstStyle/>
+                        <a:p>
+                          <a:pPr algn="ctr"/>
+                          <a:r>
+                            <a:rPr lang="en-US" b="1" dirty="0">
+                              <a:solidFill>
+                                <a:srgbClr val="00B050"/>
+                              </a:solidFill>
+                            </a:rPr>
+                            <a:t>1</a:t>
+                          </a:r>
+                        </a:p>
+                      </a:txBody>
+                      <a:tcPr/>
+                    </a:tc>
+                    <a:tc>
+                      <a:txBody>
+                        <a:bodyPr/>
+                        <a:lstStyle/>
+                        <a:p>
+                          <a:pPr algn="ctr"/>
+                          <a:endParaRPr lang="en-US"/>
+                        </a:p>
+                      </a:txBody>
+                      <a:tcPr/>
+                    </a:tc>
+                    <a:tc>
+                      <a:txBody>
+                        <a:bodyPr/>
+                        <a:lstStyle/>
+                        <a:p>
+                          <a:pPr algn="ctr"/>
+                          <a:endParaRPr lang="en-US"/>
+                        </a:p>
+                      </a:txBody>
+                      <a:tcPr/>
+                    </a:tc>
+                    <a:tc>
+                      <a:txBody>
+                        <a:bodyPr/>
+                        <a:lstStyle/>
+                        <a:p>
+                          <a:pPr algn="ctr"/>
+                          <a:endParaRPr lang="en-US"/>
+                        </a:p>
+                      </a:txBody>
+                      <a:tcPr/>
+                    </a:tc>
+                    <a:tc>
+                      <a:txBody>
+                        <a:bodyPr/>
+                        <a:lstStyle/>
+                        <a:p>
+                          <a:pPr algn="ctr"/>
+                          <a:endParaRPr lang="en-US"/>
+                        </a:p>
+                      </a:txBody>
+                      <a:tcPr/>
+                    </a:tc>
+                    <a:tc>
+                      <a:txBody>
+                        <a:bodyPr/>
+                        <a:lstStyle/>
+                        <a:p>
+                          <a:pPr algn="ctr"/>
+                          <a:endParaRPr lang="en-US"/>
+                        </a:p>
+                      </a:txBody>
+                      <a:tcPr/>
+                    </a:tc>
+                    <a:extLst>
+                      <a:ext uri="{0D108BD9-81ED-4DB2-BD59-A6C34878D82A}">
+                        <a16:rowId xmlns:a16="http://schemas.microsoft.com/office/drawing/2014/main" val="2571902888"/>
+                      </a:ext>
+                    </a:extLst>
+                  </a:tr>
+                  <a:tr h="370840">
+                    <a:tc>
+                      <a:txBody>
+                        <a:bodyPr/>
+                        <a:lstStyle/>
+                        <a:p>
+                          <a:pPr algn="l"/>
+                          <a:r>
+                            <a:rPr lang="en-US" sz="1400" b="1" dirty="0"/>
+                            <a:t>Ejection force (N) [2]</a:t>
+                          </a:r>
+                        </a:p>
+                      </a:txBody>
+                      <a:tcPr/>
+                    </a:tc>
+                    <a:tc>
+                      <a:txBody>
+                        <a:bodyPr/>
+                        <a:lstStyle/>
+                        <a:p>
+                          <a:pPr algn="ctr"/>
+                          <a:r>
+                            <a:rPr lang="en-US" dirty="0"/>
+                            <a:t>0.69</a:t>
+                          </a:r>
+                        </a:p>
+                      </a:txBody>
+                      <a:tcPr/>
+                    </a:tc>
+                    <a:tc>
+                      <a:txBody>
+                        <a:bodyPr/>
+                        <a:lstStyle/>
+                        <a:p>
+                          <a:pPr algn="ctr"/>
+                          <a:r>
+                            <a:rPr lang="en-US" dirty="0"/>
+                            <a:t>0.67</a:t>
+                          </a:r>
+                        </a:p>
+                      </a:txBody>
+                      <a:tcPr/>
+                    </a:tc>
+                    <a:tc>
+                      <a:txBody>
+                        <a:bodyPr/>
+                        <a:lstStyle/>
+                        <a:p>
+                          <a:pPr algn="ctr"/>
+                          <a:r>
+                            <a:rPr lang="en-US" dirty="0"/>
+                            <a:t>0.7</a:t>
+                          </a:r>
+                        </a:p>
+                      </a:txBody>
+                      <a:tcPr/>
+                    </a:tc>
+                    <a:tc>
+                      <a:txBody>
+                        <a:bodyPr/>
+                        <a:lstStyle/>
+                        <a:p>
+                          <a:pPr algn="ctr"/>
+                          <a:r>
+                            <a:rPr lang="en-US" b="1" dirty="0">
+                              <a:solidFill>
+                                <a:srgbClr val="00B050"/>
+                              </a:solidFill>
+                            </a:rPr>
+                            <a:t>0.91</a:t>
+                          </a:r>
+                        </a:p>
+                      </a:txBody>
+                      <a:tcPr/>
+                    </a:tc>
+                    <a:tc>
+                      <a:txBody>
+                        <a:bodyPr/>
+                        <a:lstStyle/>
+                        <a:p>
+                          <a:pPr algn="ctr"/>
+                          <a:r>
+                            <a:rPr lang="en-US" dirty="0"/>
+                            <a:t>1</a:t>
+                          </a:r>
+                        </a:p>
+                      </a:txBody>
+                      <a:tcPr/>
+                    </a:tc>
+                    <a:tc>
+                      <a:txBody>
+                        <a:bodyPr/>
+                        <a:lstStyle/>
+                        <a:p>
+                          <a:pPr algn="ctr"/>
+                          <a:endParaRPr lang="en-US"/>
+                        </a:p>
+                      </a:txBody>
+                      <a:tcPr/>
+                    </a:tc>
+                    <a:tc>
+                      <a:txBody>
+                        <a:bodyPr/>
+                        <a:lstStyle/>
+                        <a:p>
+                          <a:pPr algn="ctr"/>
+                          <a:endParaRPr lang="en-US"/>
+                        </a:p>
+                      </a:txBody>
+                      <a:tcPr/>
+                    </a:tc>
+                    <a:tc>
+                      <a:txBody>
+                        <a:bodyPr/>
+                        <a:lstStyle/>
+                        <a:p>
+                          <a:pPr algn="ctr"/>
+                          <a:endParaRPr lang="en-US" dirty="0"/>
+                        </a:p>
+                      </a:txBody>
+                      <a:tcPr/>
+                    </a:tc>
+                    <a:tc>
+                      <a:txBody>
+                        <a:bodyPr/>
+                        <a:lstStyle/>
+                        <a:p>
+                          <a:pPr algn="ctr"/>
+                          <a:endParaRPr lang="en-US"/>
+                        </a:p>
+                      </a:txBody>
+                      <a:tcPr/>
+                    </a:tc>
+                    <a:extLst>
+                      <a:ext uri="{0D108BD9-81ED-4DB2-BD59-A6C34878D82A}">
+                        <a16:rowId xmlns:a16="http://schemas.microsoft.com/office/drawing/2014/main" val="1693479064"/>
+                      </a:ext>
+                    </a:extLst>
+                  </a:tr>
+                  <a:tr h="370840">
+                    <a:tc>
+                      <a:txBody>
+                        <a:bodyPr/>
+                        <a:lstStyle/>
+                        <a:p>
+                          <a:pPr algn="l"/>
+                          <a:r>
+                            <a:rPr lang="en-US" sz="1400" b="1" dirty="0"/>
+                            <a:t>Constrained modulus M (</a:t>
+                          </a:r>
+                          <a:r>
+                            <a:rPr lang="en-US" sz="1400" b="1" dirty="0" err="1"/>
+                            <a:t>GPa</a:t>
+                          </a:r>
+                          <a:r>
+                            <a:rPr lang="en-US" sz="1400" b="1" dirty="0"/>
+                            <a:t>)</a:t>
+                          </a:r>
+                        </a:p>
+                      </a:txBody>
+                      <a:tcPr/>
+                    </a:tc>
+                    <a:tc>
+                      <a:txBody>
+                        <a:bodyPr/>
+                        <a:lstStyle/>
+                        <a:p>
+                          <a:pPr algn="ctr"/>
+                          <a:r>
+                            <a:rPr lang="en-US" dirty="0"/>
+                            <a:t>0.91</a:t>
+                          </a:r>
+                        </a:p>
+                      </a:txBody>
+                      <a:tcPr/>
+                    </a:tc>
+                    <a:tc>
+                      <a:txBody>
+                        <a:bodyPr/>
+                        <a:lstStyle/>
+                        <a:p>
+                          <a:pPr algn="ctr"/>
+                          <a:r>
+                            <a:rPr lang="en-US" dirty="0"/>
+                            <a:t>0.98</a:t>
+                          </a:r>
+                        </a:p>
+                      </a:txBody>
+                      <a:tcPr/>
+                    </a:tc>
+                    <a:tc>
+                      <a:txBody>
+                        <a:bodyPr/>
+                        <a:lstStyle/>
+                        <a:p>
+                          <a:pPr algn="ctr"/>
+                          <a:r>
+                            <a:rPr lang="en-US" dirty="0"/>
+                            <a:t>0.93</a:t>
+                          </a:r>
+                        </a:p>
+                      </a:txBody>
+                      <a:tcPr/>
+                    </a:tc>
+                    <a:tc>
+                      <a:txBody>
+                        <a:bodyPr/>
+                        <a:lstStyle/>
+                        <a:p>
+                          <a:pPr algn="ctr"/>
+                          <a:r>
+                            <a:rPr lang="en-US" b="1" dirty="0">
+                              <a:solidFill>
+                                <a:srgbClr val="00B050"/>
+                              </a:solidFill>
+                            </a:rPr>
+                            <a:t>0.81</a:t>
+                          </a:r>
+                        </a:p>
+                      </a:txBody>
+                      <a:tcPr/>
+                    </a:tc>
+                    <a:tc>
+                      <a:txBody>
+                        <a:bodyPr/>
+                        <a:lstStyle/>
+                        <a:p>
+                          <a:pPr algn="ctr"/>
+                          <a:r>
+                            <a:rPr lang="en-US" dirty="0"/>
+                            <a:t>0.71</a:t>
+                          </a:r>
+                        </a:p>
+                      </a:txBody>
+                      <a:tcPr/>
+                    </a:tc>
+                    <a:tc>
+                      <a:txBody>
+                        <a:bodyPr/>
+                        <a:lstStyle/>
+                        <a:p>
+                          <a:pPr algn="ctr"/>
+                          <a:r>
+                            <a:rPr lang="en-US" dirty="0"/>
+                            <a:t>1</a:t>
+                          </a:r>
+                        </a:p>
+                      </a:txBody>
+                      <a:tcPr/>
+                    </a:tc>
+                    <a:tc>
+                      <a:txBody>
+                        <a:bodyPr/>
+                        <a:lstStyle/>
+                        <a:p>
+                          <a:pPr algn="ctr"/>
+                          <a:endParaRPr lang="en-US" dirty="0"/>
+                        </a:p>
+                      </a:txBody>
+                      <a:tcPr/>
+                    </a:tc>
+                    <a:tc>
+                      <a:txBody>
+                        <a:bodyPr/>
+                        <a:lstStyle/>
+                        <a:p>
+                          <a:pPr algn="ctr"/>
+                          <a:endParaRPr lang="en-US"/>
+                        </a:p>
+                      </a:txBody>
+                      <a:tcPr/>
+                    </a:tc>
+                    <a:tc>
+                      <a:txBody>
+                        <a:bodyPr/>
+                        <a:lstStyle/>
+                        <a:p>
+                          <a:pPr algn="ctr"/>
+                          <a:endParaRPr lang="en-US"/>
+                        </a:p>
+                      </a:txBody>
+                      <a:tcPr/>
+                    </a:tc>
+                    <a:extLst>
+                      <a:ext uri="{0D108BD9-81ED-4DB2-BD59-A6C34878D82A}">
+                        <a16:rowId xmlns:a16="http://schemas.microsoft.com/office/drawing/2014/main" val="3000927087"/>
+                      </a:ext>
+                    </a:extLst>
+                  </a:tr>
+                  <a:tr h="370840">
+                    <a:tc>
+                      <a:txBody>
+                        <a:bodyPr/>
+                        <a:lstStyle/>
+                        <a:p>
+                          <a:pPr algn="l"/>
+                          <a:r>
+                            <a:rPr lang="en-US" sz="1400" b="1" dirty="0"/>
+                            <a:t>Poisson’s ratio (</a:t>
+                          </a:r>
+                          <a14:m>
+                            <m:oMath xmlns:m="http://schemas.openxmlformats.org/officeDocument/2006/math">
+                              <m:r>
+                                <a:rPr lang="en-US" sz="1400" b="1" i="1" smtClean="0">
+                                  <a:latin typeface="Cambria Math" panose="02040503050406030204" pitchFamily="18" charset="0"/>
+                                </a:rPr>
+                                <m:t>𝛎</m:t>
+                              </m:r>
+                              <m:r>
+                                <a:rPr lang="en-US" sz="1400" b="1" smtClean="0">
+                                  <a:latin typeface="Cambria Math" panose="02040503050406030204" pitchFamily="18" charset="0"/>
+                                </a:rPr>
+                                <m:t>)</m:t>
+                              </m:r>
+                            </m:oMath>
+                          </a14:m>
+                          <a:endParaRPr lang="en-US" sz="1400" b="1" dirty="0"/>
+                        </a:p>
+                      </a:txBody>
+                      <a:tcPr/>
+                    </a:tc>
+                    <a:tc>
+                      <a:txBody>
+                        <a:bodyPr/>
+                        <a:lstStyle/>
+                        <a:p>
+                          <a:pPr algn="ctr"/>
+                          <a:r>
+                            <a:rPr lang="en-US" dirty="0"/>
+                            <a:t>-0.76</a:t>
+                          </a:r>
+                        </a:p>
+                      </a:txBody>
+                      <a:tcPr/>
+                    </a:tc>
+                    <a:tc>
+                      <a:txBody>
+                        <a:bodyPr/>
+                        <a:lstStyle/>
+                        <a:p>
+                          <a:pPr algn="ctr"/>
+                          <a:r>
+                            <a:rPr lang="en-US" dirty="0"/>
+                            <a:t>-0.31</a:t>
+                          </a:r>
+                        </a:p>
+                      </a:txBody>
+                      <a:tcPr/>
+                    </a:tc>
+                    <a:tc>
+                      <a:txBody>
+                        <a:bodyPr/>
+                        <a:lstStyle/>
+                        <a:p>
+                          <a:pPr algn="ctr"/>
+                          <a:r>
+                            <a:rPr lang="en-US" dirty="0"/>
+                            <a:t>-0.74</a:t>
+                          </a:r>
+                        </a:p>
+                      </a:txBody>
+                      <a:tcPr/>
+                    </a:tc>
+                    <a:tc>
+                      <a:txBody>
+                        <a:bodyPr/>
+                        <a:lstStyle/>
+                        <a:p>
+                          <a:pPr algn="ctr"/>
+                          <a:r>
+                            <a:rPr lang="en-US" dirty="0"/>
+                            <a:t>-0.44</a:t>
+                          </a:r>
+                        </a:p>
+                      </a:txBody>
+                      <a:tcPr/>
+                    </a:tc>
+                    <a:tc>
+                      <a:txBody>
+                        <a:bodyPr/>
+                        <a:lstStyle/>
+                        <a:p>
+                          <a:pPr algn="ctr"/>
+                          <a:r>
+                            <a:rPr lang="en-US" dirty="0"/>
+                            <a:t>-0.46</a:t>
+                          </a:r>
+                        </a:p>
+                      </a:txBody>
+                      <a:tcPr/>
+                    </a:tc>
+                    <a:tc>
+                      <a:txBody>
+                        <a:bodyPr/>
+                        <a:lstStyle/>
+                        <a:p>
+                          <a:pPr algn="ctr"/>
+                          <a:r>
+                            <a:rPr lang="en-US" dirty="0"/>
+                            <a:t>-0.48</a:t>
+                          </a:r>
+                        </a:p>
+                      </a:txBody>
+                      <a:tcPr/>
+                    </a:tc>
+                    <a:tc>
+                      <a:txBody>
+                        <a:bodyPr/>
+                        <a:lstStyle/>
+                        <a:p>
+                          <a:pPr algn="ctr"/>
+                          <a:r>
+                            <a:rPr lang="en-US" dirty="0"/>
+                            <a:t>1</a:t>
+                          </a:r>
+                        </a:p>
+                      </a:txBody>
+                      <a:tcPr/>
+                    </a:tc>
+                    <a:tc>
+                      <a:txBody>
+                        <a:bodyPr/>
+                        <a:lstStyle/>
+                        <a:p>
+                          <a:pPr algn="ctr"/>
+                          <a:endParaRPr lang="en-US" dirty="0"/>
+                        </a:p>
+                      </a:txBody>
+                      <a:tcPr/>
+                    </a:tc>
+                    <a:tc>
+                      <a:txBody>
+                        <a:bodyPr/>
+                        <a:lstStyle/>
+                        <a:p>
+                          <a:pPr algn="ctr"/>
+                          <a:endParaRPr lang="en-US" dirty="0"/>
+                        </a:p>
+                      </a:txBody>
+                      <a:tcPr/>
+                    </a:tc>
+                    <a:extLst>
+                      <a:ext uri="{0D108BD9-81ED-4DB2-BD59-A6C34878D82A}">
+                        <a16:rowId xmlns:a16="http://schemas.microsoft.com/office/drawing/2014/main" val="3701261214"/>
+                      </a:ext>
+                    </a:extLst>
+                  </a:tr>
+                  <a:tr h="370840">
+                    <a:tc>
+                      <a:txBody>
+                        <a:bodyPr/>
+                        <a:lstStyle/>
+                        <a:p>
+                          <a:pPr algn="l"/>
+                          <a:r>
+                            <a:rPr lang="en-US" sz="1400" b="1" dirty="0"/>
+                            <a:t>Coefficient of friction (</a:t>
+                          </a:r>
+                          <a14:m>
+                            <m:oMath xmlns:m="http://schemas.openxmlformats.org/officeDocument/2006/math">
+                              <m:r>
+                                <a:rPr lang="en-US" sz="1400" b="1" i="1" smtClean="0">
+                                  <a:latin typeface="Cambria Math" panose="02040503050406030204" pitchFamily="18" charset="0"/>
+                                </a:rPr>
+                                <m:t>𝛍</m:t>
+                              </m:r>
+                              <m:r>
+                                <a:rPr lang="en-US" sz="1400" b="1" smtClean="0">
+                                  <a:latin typeface="Cambria Math" panose="02040503050406030204" pitchFamily="18" charset="0"/>
+                                </a:rPr>
+                                <m:t>)</m:t>
+                              </m:r>
+                            </m:oMath>
+                          </a14:m>
+                          <a:endParaRPr lang="en-US" sz="1400" b="1" dirty="0"/>
+                        </a:p>
+                      </a:txBody>
+                      <a:tcPr/>
+                    </a:tc>
+                    <a:tc>
+                      <a:txBody>
+                        <a:bodyPr/>
+                        <a:lstStyle/>
+                        <a:p>
+                          <a:pPr algn="ctr"/>
+                          <a:r>
+                            <a:rPr lang="en-US" dirty="0"/>
+                            <a:t>0.50</a:t>
+                          </a:r>
+                        </a:p>
+                      </a:txBody>
+                      <a:tcPr/>
+                    </a:tc>
+                    <a:tc>
+                      <a:txBody>
+                        <a:bodyPr/>
+                        <a:lstStyle/>
+                        <a:p>
+                          <a:pPr algn="ctr"/>
+                          <a:r>
+                            <a:rPr lang="en-US" dirty="0"/>
+                            <a:t>0.19</a:t>
+                          </a:r>
+                        </a:p>
+                      </a:txBody>
+                      <a:tcPr/>
+                    </a:tc>
+                    <a:tc>
+                      <a:txBody>
+                        <a:bodyPr/>
+                        <a:lstStyle/>
+                        <a:p>
+                          <a:pPr algn="ctr"/>
+                          <a:r>
+                            <a:rPr lang="en-US" dirty="0"/>
+                            <a:t>0.49</a:t>
+                          </a:r>
+                        </a:p>
+                      </a:txBody>
+                      <a:tcPr/>
+                    </a:tc>
+                    <a:tc>
+                      <a:txBody>
+                        <a:bodyPr/>
+                        <a:lstStyle/>
+                        <a:p>
+                          <a:pPr algn="ctr"/>
+                          <a:r>
+                            <a:rPr lang="en-US" dirty="0"/>
+                            <a:t>0.38</a:t>
+                          </a:r>
+                        </a:p>
+                      </a:txBody>
+                      <a:tcPr/>
+                    </a:tc>
+                    <a:tc>
+                      <a:txBody>
+                        <a:bodyPr/>
+                        <a:lstStyle/>
+                        <a:p>
+                          <a:pPr algn="ctr"/>
+                          <a:r>
+                            <a:rPr lang="en-US" dirty="0"/>
+                            <a:t>0.54</a:t>
+                          </a:r>
+                        </a:p>
+                      </a:txBody>
+                      <a:tcPr/>
+                    </a:tc>
+                    <a:tc>
+                      <a:txBody>
+                        <a:bodyPr/>
+                        <a:lstStyle/>
+                        <a:p>
+                          <a:pPr algn="ctr"/>
+                          <a:r>
+                            <a:rPr lang="en-US" dirty="0"/>
+                            <a:t>0.31</a:t>
+                          </a:r>
+                        </a:p>
+                      </a:txBody>
+                      <a:tcPr/>
+                    </a:tc>
+                    <a:tc>
+                      <a:txBody>
+                        <a:bodyPr/>
+                        <a:lstStyle/>
+                        <a:p>
+                          <a:pPr algn="ctr"/>
+                          <a:r>
+                            <a:rPr lang="en-US" dirty="0"/>
+                            <a:t>-0.68</a:t>
+                          </a:r>
+                        </a:p>
+                      </a:txBody>
+                      <a:tcPr/>
+                    </a:tc>
+                    <a:tc>
+                      <a:txBody>
+                        <a:bodyPr/>
+                        <a:lstStyle/>
+                        <a:p>
+                          <a:pPr algn="ctr"/>
+                          <a:r>
+                            <a:rPr lang="en-US" dirty="0"/>
+                            <a:t>1</a:t>
+                          </a:r>
+                        </a:p>
+                      </a:txBody>
+                      <a:tcPr/>
+                    </a:tc>
+                    <a:tc>
+                      <a:txBody>
+                        <a:bodyPr/>
+                        <a:lstStyle/>
+                        <a:p>
+                          <a:pPr algn="ctr"/>
+                          <a:endParaRPr lang="en-US" dirty="0"/>
+                        </a:p>
+                      </a:txBody>
+                      <a:tcPr/>
+                    </a:tc>
+                    <a:extLst>
+                      <a:ext uri="{0D108BD9-81ED-4DB2-BD59-A6C34878D82A}">
+                        <a16:rowId xmlns:a16="http://schemas.microsoft.com/office/drawing/2014/main" val="2146381107"/>
+                      </a:ext>
+                    </a:extLst>
+                  </a:tr>
+                  <a:tr h="370840">
+                    <a:tc>
+                      <a:txBody>
+                        <a:bodyPr/>
+                        <a:lstStyle/>
+                        <a:p>
+                          <a:pPr algn="l"/>
+                          <a:r>
+                            <a:rPr lang="en-US" sz="1400" b="1" dirty="0"/>
+                            <a:t>Tensile Strength </a:t>
+                          </a:r>
+                          <a:r>
+                            <a:rPr lang="el-GR" sz="1400" b="1" dirty="0"/>
+                            <a:t>σ</a:t>
+                          </a:r>
+                          <a:r>
+                            <a:rPr lang="en-US" sz="1400" b="1" dirty="0"/>
+                            <a:t> (MPa)</a:t>
+                          </a:r>
+                        </a:p>
+                      </a:txBody>
+                      <a:tcPr/>
+                    </a:tc>
+                    <a:tc>
+                      <a:txBody>
+                        <a:bodyPr/>
+                        <a:lstStyle/>
+                        <a:p>
+                          <a:pPr algn="ctr"/>
+                          <a:r>
+                            <a:rPr lang="en-US" dirty="0"/>
+                            <a:t>-0.25</a:t>
+                          </a:r>
+                        </a:p>
+                      </a:txBody>
+                      <a:tcPr/>
+                    </a:tc>
+                    <a:tc>
+                      <a:txBody>
+                        <a:bodyPr/>
+                        <a:lstStyle/>
+                        <a:p>
+                          <a:pPr algn="ctr"/>
+                          <a:r>
+                            <a:rPr lang="en-US" dirty="0"/>
+                            <a:t>-0.32</a:t>
+                          </a:r>
+                        </a:p>
+                      </a:txBody>
+                      <a:tcPr/>
+                    </a:tc>
+                    <a:tc>
+                      <a:txBody>
+                        <a:bodyPr/>
+                        <a:lstStyle/>
+                        <a:p>
+                          <a:pPr algn="ctr"/>
+                          <a:r>
+                            <a:rPr lang="en-US" dirty="0"/>
+                            <a:t>-0.25</a:t>
+                          </a:r>
+                        </a:p>
+                      </a:txBody>
+                      <a:tcPr/>
+                    </a:tc>
+                    <a:tc>
+                      <a:txBody>
+                        <a:bodyPr/>
+                        <a:lstStyle/>
+                        <a:p>
+                          <a:pPr algn="ctr"/>
+                          <a:r>
+                            <a:rPr lang="en-US" dirty="0">
+                              <a:solidFill>
+                                <a:srgbClr val="00B0F0"/>
+                              </a:solidFill>
+                            </a:rPr>
+                            <a:t>-0.52</a:t>
+                          </a:r>
+                        </a:p>
+                      </a:txBody>
+                      <a:tcPr/>
+                    </a:tc>
+                    <a:tc>
+                      <a:txBody>
+                        <a:bodyPr/>
+                        <a:lstStyle/>
+                        <a:p>
+                          <a:pPr algn="ctr"/>
+                          <a:r>
+                            <a:rPr lang="en-US" dirty="0"/>
+                            <a:t>-0.55</a:t>
+                          </a:r>
+                        </a:p>
+                      </a:txBody>
+                      <a:tcPr/>
+                    </a:tc>
+                    <a:tc>
+                      <a:txBody>
+                        <a:bodyPr/>
+                        <a:lstStyle/>
+                        <a:p>
+                          <a:pPr algn="ctr"/>
+                          <a:r>
+                            <a:rPr lang="en-US" dirty="0"/>
+                            <a:t>-0.31</a:t>
+                          </a:r>
+                        </a:p>
+                      </a:txBody>
+                      <a:tcPr/>
+                    </a:tc>
+                    <a:tc>
+                      <a:txBody>
+                        <a:bodyPr/>
+                        <a:lstStyle/>
+                        <a:p>
+                          <a:pPr algn="ctr"/>
+                          <a:r>
+                            <a:rPr lang="en-US" dirty="0"/>
+                            <a:t>0.1</a:t>
+                          </a:r>
+                        </a:p>
+                      </a:txBody>
+                      <a:tcPr/>
+                    </a:tc>
+                    <a:tc>
+                      <a:txBody>
+                        <a:bodyPr/>
+                        <a:lstStyle/>
+                        <a:p>
+                          <a:pPr algn="ctr"/>
+                          <a:r>
+                            <a:rPr lang="en-US" dirty="0"/>
+                            <a:t>-0.2</a:t>
+                          </a:r>
+                        </a:p>
+                      </a:txBody>
+                      <a:tcPr/>
+                    </a:tc>
+                    <a:tc>
+                      <a:txBody>
+                        <a:bodyPr/>
+                        <a:lstStyle/>
+                        <a:p>
+                          <a:pPr algn="ctr"/>
+                          <a:r>
+                            <a:rPr lang="en-US" dirty="0"/>
+                            <a:t>1</a:t>
+                          </a:r>
+                        </a:p>
+                      </a:txBody>
+                      <a:tcPr/>
+                    </a:tc>
+                    <a:extLst>
+                      <a:ext uri="{0D108BD9-81ED-4DB2-BD59-A6C34878D82A}">
+                        <a16:rowId xmlns:a16="http://schemas.microsoft.com/office/drawing/2014/main" val="1130939070"/>
+                      </a:ext>
+                    </a:extLst>
+                  </a:tr>
+                </a:tbl>
+              </a:graphicData>
+            </a:graphic>
+          </p:graphicFrame>
+        </mc:Choice>
+        <mc:Fallback>
+          <p:graphicFrame>
+            <p:nvGraphicFramePr>
+              <p:cNvPr id="2" name="Table 1">
+                <a:extLst>
+                  <a:ext uri="{FF2B5EF4-FFF2-40B4-BE49-F238E27FC236}">
+                    <a16:creationId xmlns:a16="http://schemas.microsoft.com/office/drawing/2014/main" id="{4A9A232C-9425-31EE-5B3D-D307000E19CC}"/>
+                  </a:ext>
+                </a:extLst>
+              </p:cNvPr>
+              <p:cNvGraphicFramePr>
+                <a:graphicFrameLocks noGrp="1"/>
+              </p:cNvGraphicFramePr>
+              <p:nvPr>
+                <p:extLst>
+                  <p:ext uri="{D42A27DB-BD31-4B8C-83A1-F6EECF244321}">
+                    <p14:modId xmlns:p14="http://schemas.microsoft.com/office/powerpoint/2010/main" val="2158845131"/>
+                  </p:ext>
+                </p:extLst>
+              </p:nvPr>
+            </p:nvGraphicFramePr>
+            <p:xfrm>
+              <a:off x="124691" y="1068801"/>
+              <a:ext cx="11363498" cy="3977640"/>
+            </p:xfrm>
+            <a:graphic>
+              <a:graphicData uri="http://schemas.openxmlformats.org/drawingml/2006/table">
+                <a:tbl>
+                  <a:tblPr firstRow="1" bandRow="1">
+                    <a:tableStyleId>{5940675A-B579-460E-94D1-54222C63F5DA}</a:tableStyleId>
+                  </a:tblPr>
+                  <a:tblGrid>
+                    <a:gridCol w="2593571">
+                      <a:extLst>
+                        <a:ext uri="{9D8B030D-6E8A-4147-A177-3AD203B41FA5}">
+                          <a16:colId xmlns:a16="http://schemas.microsoft.com/office/drawing/2014/main" val="2805519973"/>
+                        </a:ext>
+                      </a:extLst>
+                    </a:gridCol>
+                    <a:gridCol w="1080654">
+                      <a:extLst>
+                        <a:ext uri="{9D8B030D-6E8A-4147-A177-3AD203B41FA5}">
+                          <a16:colId xmlns:a16="http://schemas.microsoft.com/office/drawing/2014/main" val="4016827727"/>
+                        </a:ext>
+                      </a:extLst>
+                    </a:gridCol>
+                    <a:gridCol w="931026">
+                      <a:extLst>
+                        <a:ext uri="{9D8B030D-6E8A-4147-A177-3AD203B41FA5}">
+                          <a16:colId xmlns:a16="http://schemas.microsoft.com/office/drawing/2014/main" val="2860133826"/>
+                        </a:ext>
+                      </a:extLst>
+                    </a:gridCol>
+                    <a:gridCol w="1055716">
+                      <a:extLst>
+                        <a:ext uri="{9D8B030D-6E8A-4147-A177-3AD203B41FA5}">
+                          <a16:colId xmlns:a16="http://schemas.microsoft.com/office/drawing/2014/main" val="1530851762"/>
+                        </a:ext>
+                      </a:extLst>
+                    </a:gridCol>
+                    <a:gridCol w="1039091">
+                      <a:extLst>
+                        <a:ext uri="{9D8B030D-6E8A-4147-A177-3AD203B41FA5}">
+                          <a16:colId xmlns:a16="http://schemas.microsoft.com/office/drawing/2014/main" val="130545052"/>
+                        </a:ext>
+                      </a:extLst>
+                    </a:gridCol>
+                    <a:gridCol w="1005840">
+                      <a:extLst>
+                        <a:ext uri="{9D8B030D-6E8A-4147-A177-3AD203B41FA5}">
+                          <a16:colId xmlns:a16="http://schemas.microsoft.com/office/drawing/2014/main" val="500598313"/>
+                        </a:ext>
+                      </a:extLst>
+                    </a:gridCol>
+                    <a:gridCol w="964276">
+                      <a:extLst>
+                        <a:ext uri="{9D8B030D-6E8A-4147-A177-3AD203B41FA5}">
+                          <a16:colId xmlns:a16="http://schemas.microsoft.com/office/drawing/2014/main" val="231716360"/>
+                        </a:ext>
+                      </a:extLst>
+                    </a:gridCol>
+                    <a:gridCol w="839586">
+                      <a:extLst>
+                        <a:ext uri="{9D8B030D-6E8A-4147-A177-3AD203B41FA5}">
+                          <a16:colId xmlns:a16="http://schemas.microsoft.com/office/drawing/2014/main" val="320156965"/>
+                        </a:ext>
+                      </a:extLst>
+                    </a:gridCol>
+                    <a:gridCol w="816024">
+                      <a:extLst>
+                        <a:ext uri="{9D8B030D-6E8A-4147-A177-3AD203B41FA5}">
+                          <a16:colId xmlns:a16="http://schemas.microsoft.com/office/drawing/2014/main" val="654496072"/>
+                        </a:ext>
+                      </a:extLst>
+                    </a:gridCol>
+                    <a:gridCol w="1037714">
+                      <a:extLst>
+                        <a:ext uri="{9D8B030D-6E8A-4147-A177-3AD203B41FA5}">
+                          <a16:colId xmlns:a16="http://schemas.microsoft.com/office/drawing/2014/main" val="848544420"/>
+                        </a:ext>
+                      </a:extLst>
+                    </a:gridCol>
+                  </a:tblGrid>
+                  <a:tr h="640080">
+                    <a:tc>
+                      <a:txBody>
+                        <a:bodyPr/>
+                        <a:lstStyle/>
+                        <a:p>
+                          <a:pPr algn="ctr"/>
+                          <a:endParaRPr lang="en-US" dirty="0"/>
+                        </a:p>
+                      </a:txBody>
+                      <a:tcPr/>
+                    </a:tc>
+                    <a:tc>
+                      <a:txBody>
+                        <a:bodyPr/>
+                        <a:lstStyle/>
+                        <a:p>
+                          <a:pPr algn="ctr"/>
+                          <a:r>
+                            <a:rPr lang="en-US" dirty="0"/>
+                            <a:t>G </a:t>
+                          </a:r>
+                        </a:p>
+                        <a:p>
+                          <a:pPr algn="ctr"/>
+                          <a:r>
+                            <a:rPr lang="en-US" dirty="0"/>
+                            <a:t>(</a:t>
+                          </a:r>
+                          <a:r>
+                            <a:rPr lang="en-US" dirty="0" err="1"/>
+                            <a:t>GPa</a:t>
+                          </a:r>
+                          <a:r>
+                            <a:rPr lang="en-US" dirty="0"/>
+                            <a:t>)</a:t>
+                          </a:r>
+                        </a:p>
+                      </a:txBody>
+                      <a:tcPr/>
+                    </a:tc>
+                    <a:tc>
+                      <a:txBody>
+                        <a:bodyPr/>
+                        <a:lstStyle/>
+                        <a:p>
+                          <a:pPr algn="ctr"/>
+                          <a:r>
+                            <a:rPr lang="en-US" dirty="0"/>
+                            <a:t>K </a:t>
+                          </a:r>
+                        </a:p>
+                        <a:p>
+                          <a:pPr algn="ctr"/>
+                          <a:r>
+                            <a:rPr lang="en-US" dirty="0"/>
+                            <a:t>(</a:t>
+                          </a:r>
+                          <a:r>
+                            <a:rPr lang="en-US" dirty="0" err="1"/>
+                            <a:t>GPa</a:t>
+                          </a:r>
+                          <a:r>
+                            <a:rPr lang="en-US" dirty="0"/>
+                            <a:t>)</a:t>
+                          </a:r>
+                        </a:p>
+                      </a:txBody>
+                      <a:tcPr/>
+                    </a:tc>
+                    <a:tc>
+                      <a:txBody>
+                        <a:bodyPr/>
+                        <a:lstStyle/>
+                        <a:p>
+                          <a:pPr algn="ctr"/>
+                          <a:r>
+                            <a:rPr lang="en-US" dirty="0"/>
+                            <a:t>E </a:t>
+                          </a:r>
+                        </a:p>
+                        <a:p>
+                          <a:pPr algn="ctr"/>
+                          <a:r>
+                            <a:rPr lang="en-US" dirty="0"/>
+                            <a:t>(</a:t>
+                          </a:r>
+                          <a:r>
+                            <a:rPr lang="en-US" dirty="0" err="1"/>
+                            <a:t>GPa</a:t>
+                          </a:r>
+                          <a:r>
+                            <a:rPr lang="en-US" dirty="0"/>
+                            <a:t>)</a:t>
+                          </a:r>
+                        </a:p>
+                      </a:txBody>
+                      <a:tcPr/>
+                    </a:tc>
+                    <a:tc>
+                      <a:txBody>
+                        <a:bodyPr/>
+                        <a:lstStyle/>
+                        <a:p>
+                          <a:pPr algn="ctr"/>
+                          <a:r>
+                            <a:rPr lang="en-US" dirty="0"/>
+                            <a:t>RS</a:t>
+                          </a:r>
+                          <a:br>
+                            <a:rPr lang="en-US" dirty="0"/>
+                          </a:br>
+                          <a:r>
+                            <a:rPr lang="en-US" dirty="0"/>
+                            <a:t>(MPa)</a:t>
+                          </a:r>
+                        </a:p>
+                      </a:txBody>
+                      <a:tcPr/>
+                    </a:tc>
+                    <a:tc>
+                      <a:txBody>
+                        <a:bodyPr/>
+                        <a:lstStyle/>
+                        <a:p>
+                          <a:pPr algn="ctr"/>
+                          <a:r>
+                            <a:rPr lang="en-US" dirty="0"/>
+                            <a:t>EF </a:t>
+                          </a:r>
+                        </a:p>
+                        <a:p>
+                          <a:pPr algn="ctr"/>
+                          <a:r>
+                            <a:rPr lang="en-US" dirty="0"/>
+                            <a:t>(N)</a:t>
+                          </a:r>
+                        </a:p>
+                      </a:txBody>
+                      <a:tcPr/>
+                    </a:tc>
+                    <a:tc>
+                      <a:txBody>
+                        <a:bodyPr/>
+                        <a:lstStyle/>
+                        <a:p>
+                          <a:pPr algn="ctr"/>
+                          <a:r>
+                            <a:rPr lang="en-US" dirty="0"/>
+                            <a:t>M </a:t>
+                          </a:r>
+                        </a:p>
+                        <a:p>
+                          <a:pPr algn="ctr"/>
+                          <a:r>
+                            <a:rPr lang="en-US" dirty="0"/>
+                            <a:t>(</a:t>
+                          </a:r>
+                          <a:r>
+                            <a:rPr lang="en-US" dirty="0" err="1"/>
+                            <a:t>GPa</a:t>
+                          </a:r>
+                          <a:r>
+                            <a:rPr lang="en-US" dirty="0"/>
+                            <a:t>)</a:t>
+                          </a:r>
+                        </a:p>
+                      </a:txBody>
+                      <a:tcPr/>
+                    </a:tc>
+                    <a:tc>
+                      <a:txBody>
+                        <a:bodyPr/>
+                        <a:lstStyle/>
+                        <a:p>
+                          <a:endParaRPr lang="en-US"/>
+                        </a:p>
+                      </a:txBody>
+                      <a:tcPr>
+                        <a:blipFill>
+                          <a:blip r:embed="rId2"/>
+                          <a:stretch>
+                            <a:fillRect l="-1031884" t="-4762" r="-221739" b="-536190"/>
+                          </a:stretch>
+                        </a:blipFill>
+                      </a:tcPr>
+                    </a:tc>
+                    <a:tc>
+                      <a:txBody>
+                        <a:bodyPr/>
+                        <a:lstStyle/>
+                        <a:p>
+                          <a:pPr algn="ctr"/>
+                          <a:r>
+                            <a:rPr lang="el-GR" dirty="0"/>
+                            <a:t>μ</a:t>
+                          </a:r>
+                          <a:endParaRPr lang="en-US" dirty="0"/>
+                        </a:p>
+                      </a:txBody>
+                      <a:tcPr/>
+                    </a:tc>
+                    <a:tc>
+                      <a:txBody>
+                        <a:bodyPr/>
+                        <a:lstStyle/>
+                        <a:p>
+                          <a:pPr algn="ctr"/>
+                          <a:r>
+                            <a:rPr lang="el-GR" dirty="0"/>
+                            <a:t>σ</a:t>
+                          </a:r>
+                          <a:r>
+                            <a:rPr lang="en-US" dirty="0"/>
+                            <a:t> </a:t>
+                          </a:r>
+                        </a:p>
+                        <a:p>
+                          <a:pPr algn="ctr"/>
+                          <a:r>
+                            <a:rPr lang="en-US" dirty="0"/>
+                            <a:t>(MPa)</a:t>
+                          </a:r>
+                        </a:p>
+                      </a:txBody>
+                      <a:tcPr/>
+                    </a:tc>
+                    <a:extLst>
+                      <a:ext uri="{0D108BD9-81ED-4DB2-BD59-A6C34878D82A}">
+                        <a16:rowId xmlns:a16="http://schemas.microsoft.com/office/drawing/2014/main" val="896874898"/>
+                      </a:ext>
+                    </a:extLst>
+                  </a:tr>
+                  <a:tr h="370840">
+                    <a:tc>
+                      <a:txBody>
+                        <a:bodyPr/>
+                        <a:lstStyle/>
+                        <a:p>
+                          <a:pPr algn="l"/>
+                          <a:r>
+                            <a:rPr lang="en-US" sz="1400" b="1" dirty="0"/>
+                            <a:t>Shear Modulus G (</a:t>
+                          </a:r>
+                          <a:r>
+                            <a:rPr lang="en-US" sz="1400" b="1" dirty="0" err="1"/>
+                            <a:t>GPa</a:t>
+                          </a:r>
+                          <a:r>
+                            <a:rPr lang="en-US" sz="1400" b="1" dirty="0"/>
+                            <a:t>)</a:t>
+                          </a:r>
+                        </a:p>
+                      </a:txBody>
+                      <a:tcPr/>
+                    </a:tc>
+                    <a:tc>
+                      <a:txBody>
+                        <a:bodyPr/>
+                        <a:lstStyle/>
+                        <a:p>
+                          <a:pPr algn="ctr"/>
+                          <a:r>
+                            <a:rPr lang="en-US" dirty="0"/>
+                            <a:t>1</a:t>
+                          </a:r>
+                        </a:p>
+                      </a:txBody>
+                      <a:tcPr/>
+                    </a:tc>
+                    <a:tc>
+                      <a:txBody>
+                        <a:bodyPr/>
+                        <a:lstStyle/>
+                        <a:p>
+                          <a:pPr algn="ctr"/>
+                          <a:endParaRPr lang="en-US" dirty="0"/>
+                        </a:p>
+                      </a:txBody>
+                      <a:tcPr/>
+                    </a:tc>
+                    <a:tc>
+                      <a:txBody>
+                        <a:bodyPr/>
+                        <a:lstStyle/>
+                        <a:p>
+                          <a:pPr algn="ctr"/>
+                          <a:endParaRPr lang="en-US" dirty="0"/>
+                        </a:p>
+                      </a:txBody>
+                      <a:tcPr/>
+                    </a:tc>
+                    <a:tc>
+                      <a:txBody>
+                        <a:bodyPr/>
+                        <a:lstStyle/>
+                        <a:p>
+                          <a:pPr algn="ctr"/>
+                          <a:endParaRPr lang="en-US"/>
+                        </a:p>
+                      </a:txBody>
+                      <a:tcPr/>
+                    </a:tc>
+                    <a:tc>
+                      <a:txBody>
+                        <a:bodyPr/>
+                        <a:lstStyle/>
+                        <a:p>
+                          <a:pPr algn="ctr"/>
+                          <a:endParaRPr lang="en-US"/>
+                        </a:p>
+                      </a:txBody>
+                      <a:tcPr/>
+                    </a:tc>
+                    <a:tc>
+                      <a:txBody>
+                        <a:bodyPr/>
+                        <a:lstStyle/>
+                        <a:p>
+                          <a:pPr algn="ctr"/>
+                          <a:endParaRPr lang="en-US"/>
+                        </a:p>
+                      </a:txBody>
+                      <a:tcPr/>
+                    </a:tc>
+                    <a:tc>
+                      <a:txBody>
+                        <a:bodyPr/>
+                        <a:lstStyle/>
+                        <a:p>
+                          <a:pPr algn="ctr"/>
+                          <a:endParaRPr lang="en-US"/>
+                        </a:p>
+                      </a:txBody>
+                      <a:tcPr/>
+                    </a:tc>
+                    <a:tc>
+                      <a:txBody>
+                        <a:bodyPr/>
+                        <a:lstStyle/>
+                        <a:p>
+                          <a:pPr algn="ctr"/>
+                          <a:endParaRPr lang="en-US"/>
+                        </a:p>
+                      </a:txBody>
+                      <a:tcPr/>
+                    </a:tc>
+                    <a:tc>
+                      <a:txBody>
+                        <a:bodyPr/>
+                        <a:lstStyle/>
+                        <a:p>
+                          <a:pPr algn="ctr"/>
+                          <a:endParaRPr lang="en-US"/>
+                        </a:p>
+                      </a:txBody>
+                      <a:tcPr/>
+                    </a:tc>
+                    <a:extLst>
+                      <a:ext uri="{0D108BD9-81ED-4DB2-BD59-A6C34878D82A}">
+                        <a16:rowId xmlns:a16="http://schemas.microsoft.com/office/drawing/2014/main" val="2495408932"/>
+                      </a:ext>
+                    </a:extLst>
+                  </a:tr>
+                  <a:tr h="370840">
+                    <a:tc>
+                      <a:txBody>
+                        <a:bodyPr/>
+                        <a:lstStyle/>
+                        <a:p>
+                          <a:pPr algn="l"/>
+                          <a:r>
+                            <a:rPr lang="en-US" sz="1400" b="1" dirty="0"/>
+                            <a:t>Bulk Modulus K (</a:t>
+                          </a:r>
+                          <a:r>
+                            <a:rPr lang="en-US" sz="1400" b="1" dirty="0" err="1"/>
+                            <a:t>GPa</a:t>
+                          </a:r>
+                          <a:r>
+                            <a:rPr lang="en-US" sz="1400" b="1" dirty="0"/>
+                            <a:t>)</a:t>
+                          </a:r>
+                        </a:p>
+                      </a:txBody>
+                      <a:tcPr/>
+                    </a:tc>
+                    <a:tc>
+                      <a:txBody>
+                        <a:bodyPr/>
+                        <a:lstStyle/>
+                        <a:p>
+                          <a:pPr algn="ctr"/>
+                          <a:r>
+                            <a:rPr lang="en-US" dirty="0"/>
+                            <a:t>0.81</a:t>
+                          </a:r>
+                        </a:p>
+                      </a:txBody>
+                      <a:tcPr/>
+                    </a:tc>
+                    <a:tc>
+                      <a:txBody>
+                        <a:bodyPr/>
+                        <a:lstStyle/>
+                        <a:p>
+                          <a:pPr algn="ctr"/>
+                          <a:r>
+                            <a:rPr lang="en-US" dirty="0"/>
+                            <a:t>1</a:t>
+                          </a:r>
+                        </a:p>
+                      </a:txBody>
+                      <a:tcPr/>
+                    </a:tc>
+                    <a:tc>
+                      <a:txBody>
+                        <a:bodyPr/>
+                        <a:lstStyle/>
+                        <a:p>
+                          <a:pPr algn="ctr"/>
+                          <a:endParaRPr lang="en-US" dirty="0"/>
+                        </a:p>
+                      </a:txBody>
+                      <a:tcPr/>
+                    </a:tc>
+                    <a:tc>
+                      <a:txBody>
+                        <a:bodyPr/>
+                        <a:lstStyle/>
+                        <a:p>
+                          <a:pPr algn="ctr"/>
+                          <a:endParaRPr lang="en-US"/>
+                        </a:p>
+                      </a:txBody>
+                      <a:tcPr/>
+                    </a:tc>
+                    <a:tc>
+                      <a:txBody>
+                        <a:bodyPr/>
+                        <a:lstStyle/>
+                        <a:p>
+                          <a:pPr algn="ctr"/>
+                          <a:endParaRPr lang="en-US"/>
+                        </a:p>
+                      </a:txBody>
+                      <a:tcPr/>
+                    </a:tc>
+                    <a:tc>
+                      <a:txBody>
+                        <a:bodyPr/>
+                        <a:lstStyle/>
+                        <a:p>
+                          <a:pPr algn="ctr"/>
+                          <a:endParaRPr lang="en-US"/>
+                        </a:p>
+                      </a:txBody>
+                      <a:tcPr/>
+                    </a:tc>
+                    <a:tc>
+                      <a:txBody>
+                        <a:bodyPr/>
+                        <a:lstStyle/>
+                        <a:p>
+                          <a:pPr algn="ctr"/>
+                          <a:endParaRPr lang="en-US"/>
+                        </a:p>
+                      </a:txBody>
+                      <a:tcPr/>
+                    </a:tc>
+                    <a:tc>
+                      <a:txBody>
+                        <a:bodyPr/>
+                        <a:lstStyle/>
+                        <a:p>
+                          <a:pPr algn="ctr"/>
+                          <a:endParaRPr lang="en-US"/>
+                        </a:p>
+                      </a:txBody>
+                      <a:tcPr/>
+                    </a:tc>
+                    <a:tc>
+                      <a:txBody>
+                        <a:bodyPr/>
+                        <a:lstStyle/>
+                        <a:p>
+                          <a:pPr algn="ctr"/>
+                          <a:endParaRPr lang="en-US"/>
+                        </a:p>
+                      </a:txBody>
+                      <a:tcPr/>
+                    </a:tc>
+                    <a:extLst>
+                      <a:ext uri="{0D108BD9-81ED-4DB2-BD59-A6C34878D82A}">
+                        <a16:rowId xmlns:a16="http://schemas.microsoft.com/office/drawing/2014/main" val="3248278456"/>
+                      </a:ext>
+                    </a:extLst>
+                  </a:tr>
+                  <a:tr h="370840">
+                    <a:tc>
+                      <a:txBody>
+                        <a:bodyPr/>
+                        <a:lstStyle/>
+                        <a:p>
+                          <a:pPr algn="l"/>
+                          <a:r>
+                            <a:rPr lang="en-US" sz="1400" b="1" dirty="0"/>
+                            <a:t>Young Modulus E (</a:t>
+                          </a:r>
+                          <a:r>
+                            <a:rPr lang="en-US" sz="1400" b="1" dirty="0" err="1"/>
+                            <a:t>GPa</a:t>
+                          </a:r>
+                          <a:r>
+                            <a:rPr lang="en-US" sz="1400" b="1" dirty="0"/>
+                            <a:t>)</a:t>
+                          </a:r>
+                        </a:p>
+                      </a:txBody>
+                      <a:tcPr/>
+                    </a:tc>
+                    <a:tc>
+                      <a:txBody>
+                        <a:bodyPr/>
+                        <a:lstStyle/>
+                        <a:p>
+                          <a:pPr algn="ctr"/>
+                          <a:r>
+                            <a:rPr lang="en-US" dirty="0"/>
+                            <a:t>1.00</a:t>
+                          </a:r>
+                        </a:p>
+                      </a:txBody>
+                      <a:tcPr/>
+                    </a:tc>
+                    <a:tc>
+                      <a:txBody>
+                        <a:bodyPr/>
+                        <a:lstStyle/>
+                        <a:p>
+                          <a:pPr algn="ctr"/>
+                          <a:r>
+                            <a:rPr lang="en-US" dirty="0"/>
+                            <a:t>0.83</a:t>
+                          </a:r>
+                        </a:p>
+                      </a:txBody>
+                      <a:tcPr/>
+                    </a:tc>
+                    <a:tc>
+                      <a:txBody>
+                        <a:bodyPr/>
+                        <a:lstStyle/>
+                        <a:p>
+                          <a:pPr algn="ctr"/>
+                          <a:r>
+                            <a:rPr lang="en-US" dirty="0"/>
+                            <a:t>1</a:t>
+                          </a:r>
+                        </a:p>
+                      </a:txBody>
+                      <a:tcPr/>
+                    </a:tc>
+                    <a:tc>
+                      <a:txBody>
+                        <a:bodyPr/>
+                        <a:lstStyle/>
+                        <a:p>
+                          <a:pPr algn="ctr"/>
+                          <a:endParaRPr lang="en-US"/>
+                        </a:p>
+                      </a:txBody>
+                      <a:tcPr/>
+                    </a:tc>
+                    <a:tc>
+                      <a:txBody>
+                        <a:bodyPr/>
+                        <a:lstStyle/>
+                        <a:p>
+                          <a:pPr algn="ctr"/>
+                          <a:endParaRPr lang="en-US" dirty="0"/>
+                        </a:p>
+                      </a:txBody>
+                      <a:tcPr/>
+                    </a:tc>
+                    <a:tc>
+                      <a:txBody>
+                        <a:bodyPr/>
+                        <a:lstStyle/>
+                        <a:p>
+                          <a:pPr algn="ctr"/>
+                          <a:endParaRPr lang="en-US"/>
+                        </a:p>
+                      </a:txBody>
+                      <a:tcPr/>
+                    </a:tc>
+                    <a:tc>
+                      <a:txBody>
+                        <a:bodyPr/>
+                        <a:lstStyle/>
+                        <a:p>
+                          <a:pPr algn="ctr"/>
+                          <a:endParaRPr lang="en-US"/>
+                        </a:p>
+                      </a:txBody>
+                      <a:tcPr/>
+                    </a:tc>
+                    <a:tc>
+                      <a:txBody>
+                        <a:bodyPr/>
+                        <a:lstStyle/>
+                        <a:p>
+                          <a:pPr algn="ctr"/>
+                          <a:endParaRPr lang="en-US"/>
+                        </a:p>
+                      </a:txBody>
+                      <a:tcPr/>
+                    </a:tc>
+                    <a:tc>
+                      <a:txBody>
+                        <a:bodyPr/>
+                        <a:lstStyle/>
+                        <a:p>
+                          <a:pPr algn="ctr"/>
+                          <a:endParaRPr lang="en-US"/>
+                        </a:p>
+                      </a:txBody>
+                      <a:tcPr/>
+                    </a:tc>
+                    <a:extLst>
+                      <a:ext uri="{0D108BD9-81ED-4DB2-BD59-A6C34878D82A}">
+                        <a16:rowId xmlns:a16="http://schemas.microsoft.com/office/drawing/2014/main" val="2444292634"/>
+                      </a:ext>
+                    </a:extLst>
+                  </a:tr>
+                  <a:tr h="370840">
+                    <a:tc>
+                      <a:txBody>
+                        <a:bodyPr/>
+                        <a:lstStyle/>
+                        <a:p>
+                          <a:pPr algn="l"/>
+                          <a:r>
+                            <a:rPr lang="en-US" sz="1400" b="1" dirty="0"/>
+                            <a:t>Residual stress (MPa) [1]</a:t>
+                          </a:r>
+                        </a:p>
+                      </a:txBody>
+                      <a:tcPr/>
+                    </a:tc>
+                    <a:tc>
+                      <a:txBody>
+                        <a:bodyPr/>
+                        <a:lstStyle/>
+                        <a:p>
+                          <a:pPr algn="ctr"/>
+                          <a:r>
+                            <a:rPr lang="en-US" b="1" dirty="0">
+                              <a:solidFill>
+                                <a:srgbClr val="00B050"/>
+                              </a:solidFill>
+                            </a:rPr>
+                            <a:t>0.76</a:t>
+                          </a:r>
+                        </a:p>
+                      </a:txBody>
+                      <a:tcPr/>
+                    </a:tc>
+                    <a:tc>
+                      <a:txBody>
+                        <a:bodyPr/>
+                        <a:lstStyle/>
+                        <a:p>
+                          <a:pPr algn="ctr"/>
+                          <a:r>
+                            <a:rPr lang="en-US" b="1" dirty="0">
+                              <a:solidFill>
+                                <a:srgbClr val="00B050"/>
+                              </a:solidFill>
+                            </a:rPr>
+                            <a:t>0.79</a:t>
+                          </a:r>
+                        </a:p>
+                      </a:txBody>
+                      <a:tcPr/>
+                    </a:tc>
+                    <a:tc>
+                      <a:txBody>
+                        <a:bodyPr/>
+                        <a:lstStyle/>
+                        <a:p>
+                          <a:pPr algn="ctr"/>
+                          <a:r>
+                            <a:rPr lang="en-US" b="1" dirty="0">
+                              <a:solidFill>
+                                <a:srgbClr val="00B050"/>
+                              </a:solidFill>
+                            </a:rPr>
+                            <a:t>0.77</a:t>
+                          </a:r>
+                        </a:p>
+                      </a:txBody>
+                      <a:tcPr/>
+                    </a:tc>
+                    <a:tc>
+                      <a:txBody>
+                        <a:bodyPr/>
+                        <a:lstStyle/>
+                        <a:p>
+                          <a:pPr algn="ctr"/>
+                          <a:r>
+                            <a:rPr lang="en-US" b="1" dirty="0">
+                              <a:solidFill>
+                                <a:srgbClr val="00B050"/>
+                              </a:solidFill>
+                            </a:rPr>
+                            <a:t>1</a:t>
+                          </a:r>
+                        </a:p>
+                      </a:txBody>
+                      <a:tcPr/>
+                    </a:tc>
+                    <a:tc>
+                      <a:txBody>
+                        <a:bodyPr/>
+                        <a:lstStyle/>
+                        <a:p>
+                          <a:pPr algn="ctr"/>
+                          <a:endParaRPr lang="en-US"/>
+                        </a:p>
+                      </a:txBody>
+                      <a:tcPr/>
+                    </a:tc>
+                    <a:tc>
+                      <a:txBody>
+                        <a:bodyPr/>
+                        <a:lstStyle/>
+                        <a:p>
+                          <a:pPr algn="ctr"/>
+                          <a:endParaRPr lang="en-US"/>
+                        </a:p>
+                      </a:txBody>
+                      <a:tcPr/>
+                    </a:tc>
+                    <a:tc>
+                      <a:txBody>
+                        <a:bodyPr/>
+                        <a:lstStyle/>
+                        <a:p>
+                          <a:pPr algn="ctr"/>
+                          <a:endParaRPr lang="en-US"/>
+                        </a:p>
+                      </a:txBody>
+                      <a:tcPr/>
+                    </a:tc>
+                    <a:tc>
+                      <a:txBody>
+                        <a:bodyPr/>
+                        <a:lstStyle/>
+                        <a:p>
+                          <a:pPr algn="ctr"/>
+                          <a:endParaRPr lang="en-US"/>
+                        </a:p>
+                      </a:txBody>
+                      <a:tcPr/>
+                    </a:tc>
+                    <a:tc>
+                      <a:txBody>
+                        <a:bodyPr/>
+                        <a:lstStyle/>
+                        <a:p>
+                          <a:pPr algn="ctr"/>
+                          <a:endParaRPr lang="en-US"/>
+                        </a:p>
+                      </a:txBody>
+                      <a:tcPr/>
+                    </a:tc>
+                    <a:extLst>
+                      <a:ext uri="{0D108BD9-81ED-4DB2-BD59-A6C34878D82A}">
+                        <a16:rowId xmlns:a16="http://schemas.microsoft.com/office/drawing/2014/main" val="2571902888"/>
+                      </a:ext>
+                    </a:extLst>
+                  </a:tr>
+                  <a:tr h="370840">
+                    <a:tc>
+                      <a:txBody>
+                        <a:bodyPr/>
+                        <a:lstStyle/>
+                        <a:p>
+                          <a:pPr algn="l"/>
+                          <a:r>
+                            <a:rPr lang="en-US" sz="1400" b="1" dirty="0"/>
+                            <a:t>Ejection force (N) [2]</a:t>
+                          </a:r>
+                        </a:p>
+                      </a:txBody>
+                      <a:tcPr/>
+                    </a:tc>
+                    <a:tc>
+                      <a:txBody>
+                        <a:bodyPr/>
+                        <a:lstStyle/>
+                        <a:p>
+                          <a:pPr algn="ctr"/>
+                          <a:r>
+                            <a:rPr lang="en-US" dirty="0"/>
+                            <a:t>0.69</a:t>
+                          </a:r>
+                        </a:p>
+                      </a:txBody>
+                      <a:tcPr/>
+                    </a:tc>
+                    <a:tc>
+                      <a:txBody>
+                        <a:bodyPr/>
+                        <a:lstStyle/>
+                        <a:p>
+                          <a:pPr algn="ctr"/>
+                          <a:r>
+                            <a:rPr lang="en-US" dirty="0"/>
+                            <a:t>0.67</a:t>
+                          </a:r>
+                        </a:p>
+                      </a:txBody>
+                      <a:tcPr/>
+                    </a:tc>
+                    <a:tc>
+                      <a:txBody>
+                        <a:bodyPr/>
+                        <a:lstStyle/>
+                        <a:p>
+                          <a:pPr algn="ctr"/>
+                          <a:r>
+                            <a:rPr lang="en-US" dirty="0"/>
+                            <a:t>0.7</a:t>
+                          </a:r>
+                        </a:p>
+                      </a:txBody>
+                      <a:tcPr/>
+                    </a:tc>
+                    <a:tc>
+                      <a:txBody>
+                        <a:bodyPr/>
+                        <a:lstStyle/>
+                        <a:p>
+                          <a:pPr algn="ctr"/>
+                          <a:r>
+                            <a:rPr lang="en-US" b="1" dirty="0">
+                              <a:solidFill>
+                                <a:srgbClr val="00B050"/>
+                              </a:solidFill>
+                            </a:rPr>
+                            <a:t>0.91</a:t>
+                          </a:r>
+                        </a:p>
+                      </a:txBody>
+                      <a:tcPr/>
+                    </a:tc>
+                    <a:tc>
+                      <a:txBody>
+                        <a:bodyPr/>
+                        <a:lstStyle/>
+                        <a:p>
+                          <a:pPr algn="ctr"/>
+                          <a:r>
+                            <a:rPr lang="en-US" dirty="0"/>
+                            <a:t>1</a:t>
+                          </a:r>
+                        </a:p>
+                      </a:txBody>
+                      <a:tcPr/>
+                    </a:tc>
+                    <a:tc>
+                      <a:txBody>
+                        <a:bodyPr/>
+                        <a:lstStyle/>
+                        <a:p>
+                          <a:pPr algn="ctr"/>
+                          <a:endParaRPr lang="en-US"/>
+                        </a:p>
+                      </a:txBody>
+                      <a:tcPr/>
+                    </a:tc>
+                    <a:tc>
+                      <a:txBody>
+                        <a:bodyPr/>
+                        <a:lstStyle/>
+                        <a:p>
+                          <a:pPr algn="ctr"/>
+                          <a:endParaRPr lang="en-US"/>
+                        </a:p>
+                      </a:txBody>
+                      <a:tcPr/>
+                    </a:tc>
+                    <a:tc>
+                      <a:txBody>
+                        <a:bodyPr/>
+                        <a:lstStyle/>
+                        <a:p>
+                          <a:pPr algn="ctr"/>
+                          <a:endParaRPr lang="en-US" dirty="0"/>
+                        </a:p>
+                      </a:txBody>
+                      <a:tcPr/>
+                    </a:tc>
+                    <a:tc>
+                      <a:txBody>
+                        <a:bodyPr/>
+                        <a:lstStyle/>
+                        <a:p>
+                          <a:pPr algn="ctr"/>
+                          <a:endParaRPr lang="en-US"/>
+                        </a:p>
+                      </a:txBody>
+                      <a:tcPr/>
+                    </a:tc>
+                    <a:extLst>
+                      <a:ext uri="{0D108BD9-81ED-4DB2-BD59-A6C34878D82A}">
+                        <a16:rowId xmlns:a16="http://schemas.microsoft.com/office/drawing/2014/main" val="1693479064"/>
+                      </a:ext>
+                    </a:extLst>
+                  </a:tr>
+                  <a:tr h="370840">
+                    <a:tc>
+                      <a:txBody>
+                        <a:bodyPr/>
+                        <a:lstStyle/>
+                        <a:p>
+                          <a:pPr algn="l"/>
+                          <a:r>
+                            <a:rPr lang="en-US" sz="1400" b="1" dirty="0"/>
+                            <a:t>Constrained modulus M (</a:t>
+                          </a:r>
+                          <a:r>
+                            <a:rPr lang="en-US" sz="1400" b="1" dirty="0" err="1"/>
+                            <a:t>GPa</a:t>
+                          </a:r>
+                          <a:r>
+                            <a:rPr lang="en-US" sz="1400" b="1" dirty="0"/>
+                            <a:t>)</a:t>
+                          </a:r>
+                        </a:p>
+                      </a:txBody>
+                      <a:tcPr/>
+                    </a:tc>
+                    <a:tc>
+                      <a:txBody>
+                        <a:bodyPr/>
+                        <a:lstStyle/>
+                        <a:p>
+                          <a:pPr algn="ctr"/>
+                          <a:r>
+                            <a:rPr lang="en-US" dirty="0"/>
+                            <a:t>0.91</a:t>
+                          </a:r>
+                        </a:p>
+                      </a:txBody>
+                      <a:tcPr/>
+                    </a:tc>
+                    <a:tc>
+                      <a:txBody>
+                        <a:bodyPr/>
+                        <a:lstStyle/>
+                        <a:p>
+                          <a:pPr algn="ctr"/>
+                          <a:r>
+                            <a:rPr lang="en-US" dirty="0"/>
+                            <a:t>0.98</a:t>
+                          </a:r>
+                        </a:p>
+                      </a:txBody>
+                      <a:tcPr/>
+                    </a:tc>
+                    <a:tc>
+                      <a:txBody>
+                        <a:bodyPr/>
+                        <a:lstStyle/>
+                        <a:p>
+                          <a:pPr algn="ctr"/>
+                          <a:r>
+                            <a:rPr lang="en-US" dirty="0"/>
+                            <a:t>0.93</a:t>
+                          </a:r>
+                        </a:p>
+                      </a:txBody>
+                      <a:tcPr/>
+                    </a:tc>
+                    <a:tc>
+                      <a:txBody>
+                        <a:bodyPr/>
+                        <a:lstStyle/>
+                        <a:p>
+                          <a:pPr algn="ctr"/>
+                          <a:r>
+                            <a:rPr lang="en-US" b="1" dirty="0">
+                              <a:solidFill>
+                                <a:srgbClr val="00B050"/>
+                              </a:solidFill>
+                            </a:rPr>
+                            <a:t>0.81</a:t>
+                          </a:r>
+                        </a:p>
+                      </a:txBody>
+                      <a:tcPr/>
+                    </a:tc>
+                    <a:tc>
+                      <a:txBody>
+                        <a:bodyPr/>
+                        <a:lstStyle/>
+                        <a:p>
+                          <a:pPr algn="ctr"/>
+                          <a:r>
+                            <a:rPr lang="en-US" dirty="0"/>
+                            <a:t>0.71</a:t>
+                          </a:r>
+                        </a:p>
+                      </a:txBody>
+                      <a:tcPr/>
+                    </a:tc>
+                    <a:tc>
+                      <a:txBody>
+                        <a:bodyPr/>
+                        <a:lstStyle/>
+                        <a:p>
+                          <a:pPr algn="ctr"/>
+                          <a:r>
+                            <a:rPr lang="en-US" dirty="0"/>
+                            <a:t>1</a:t>
+                          </a:r>
+                        </a:p>
+                      </a:txBody>
+                      <a:tcPr/>
+                    </a:tc>
+                    <a:tc>
+                      <a:txBody>
+                        <a:bodyPr/>
+                        <a:lstStyle/>
+                        <a:p>
+                          <a:pPr algn="ctr"/>
+                          <a:endParaRPr lang="en-US" dirty="0"/>
+                        </a:p>
+                      </a:txBody>
+                      <a:tcPr/>
+                    </a:tc>
+                    <a:tc>
+                      <a:txBody>
+                        <a:bodyPr/>
+                        <a:lstStyle/>
+                        <a:p>
+                          <a:pPr algn="ctr"/>
+                          <a:endParaRPr lang="en-US"/>
+                        </a:p>
+                      </a:txBody>
+                      <a:tcPr/>
+                    </a:tc>
+                    <a:tc>
+                      <a:txBody>
+                        <a:bodyPr/>
+                        <a:lstStyle/>
+                        <a:p>
+                          <a:pPr algn="ctr"/>
+                          <a:endParaRPr lang="en-US"/>
+                        </a:p>
+                      </a:txBody>
+                      <a:tcPr/>
+                    </a:tc>
+                    <a:extLst>
+                      <a:ext uri="{0D108BD9-81ED-4DB2-BD59-A6C34878D82A}">
+                        <a16:rowId xmlns:a16="http://schemas.microsoft.com/office/drawing/2014/main" val="3000927087"/>
+                      </a:ext>
+                    </a:extLst>
+                  </a:tr>
+                  <a:tr h="370840">
+                    <a:tc>
+                      <a:txBody>
+                        <a:bodyPr/>
+                        <a:lstStyle/>
+                        <a:p>
+                          <a:endParaRPr lang="en-US"/>
+                        </a:p>
+                      </a:txBody>
+                      <a:tcPr>
+                        <a:blipFill>
+                          <a:blip r:embed="rId2"/>
+                          <a:stretch>
+                            <a:fillRect l="-235" t="-778689" r="-338263" b="-224590"/>
+                          </a:stretch>
+                        </a:blipFill>
+                      </a:tcPr>
+                    </a:tc>
+                    <a:tc>
+                      <a:txBody>
+                        <a:bodyPr/>
+                        <a:lstStyle/>
+                        <a:p>
+                          <a:pPr algn="ctr"/>
+                          <a:r>
+                            <a:rPr lang="en-US" dirty="0"/>
+                            <a:t>-0.76</a:t>
+                          </a:r>
+                        </a:p>
+                      </a:txBody>
+                      <a:tcPr/>
+                    </a:tc>
+                    <a:tc>
+                      <a:txBody>
+                        <a:bodyPr/>
+                        <a:lstStyle/>
+                        <a:p>
+                          <a:pPr algn="ctr"/>
+                          <a:r>
+                            <a:rPr lang="en-US" dirty="0"/>
+                            <a:t>-0.31</a:t>
+                          </a:r>
+                        </a:p>
+                      </a:txBody>
+                      <a:tcPr/>
+                    </a:tc>
+                    <a:tc>
+                      <a:txBody>
+                        <a:bodyPr/>
+                        <a:lstStyle/>
+                        <a:p>
+                          <a:pPr algn="ctr"/>
+                          <a:r>
+                            <a:rPr lang="en-US" dirty="0"/>
+                            <a:t>-0.74</a:t>
+                          </a:r>
+                        </a:p>
+                      </a:txBody>
+                      <a:tcPr/>
+                    </a:tc>
+                    <a:tc>
+                      <a:txBody>
+                        <a:bodyPr/>
+                        <a:lstStyle/>
+                        <a:p>
+                          <a:pPr algn="ctr"/>
+                          <a:r>
+                            <a:rPr lang="en-US" dirty="0"/>
+                            <a:t>-0.44</a:t>
+                          </a:r>
+                        </a:p>
+                      </a:txBody>
+                      <a:tcPr/>
+                    </a:tc>
+                    <a:tc>
+                      <a:txBody>
+                        <a:bodyPr/>
+                        <a:lstStyle/>
+                        <a:p>
+                          <a:pPr algn="ctr"/>
+                          <a:r>
+                            <a:rPr lang="en-US" dirty="0"/>
+                            <a:t>-0.46</a:t>
+                          </a:r>
+                        </a:p>
+                      </a:txBody>
+                      <a:tcPr/>
+                    </a:tc>
+                    <a:tc>
+                      <a:txBody>
+                        <a:bodyPr/>
+                        <a:lstStyle/>
+                        <a:p>
+                          <a:pPr algn="ctr"/>
+                          <a:r>
+                            <a:rPr lang="en-US" dirty="0"/>
+                            <a:t>-0.48</a:t>
+                          </a:r>
+                        </a:p>
+                      </a:txBody>
+                      <a:tcPr/>
+                    </a:tc>
+                    <a:tc>
+                      <a:txBody>
+                        <a:bodyPr/>
+                        <a:lstStyle/>
+                        <a:p>
+                          <a:pPr algn="ctr"/>
+                          <a:r>
+                            <a:rPr lang="en-US" dirty="0"/>
+                            <a:t>1</a:t>
+                          </a:r>
+                        </a:p>
+                      </a:txBody>
+                      <a:tcPr/>
+                    </a:tc>
+                    <a:tc>
+                      <a:txBody>
+                        <a:bodyPr/>
+                        <a:lstStyle/>
+                        <a:p>
+                          <a:pPr algn="ctr"/>
+                          <a:endParaRPr lang="en-US" dirty="0"/>
+                        </a:p>
+                      </a:txBody>
+                      <a:tcPr/>
+                    </a:tc>
+                    <a:tc>
+                      <a:txBody>
+                        <a:bodyPr/>
+                        <a:lstStyle/>
+                        <a:p>
+                          <a:pPr algn="ctr"/>
+                          <a:endParaRPr lang="en-US" dirty="0"/>
+                        </a:p>
+                      </a:txBody>
+                      <a:tcPr/>
+                    </a:tc>
+                    <a:extLst>
+                      <a:ext uri="{0D108BD9-81ED-4DB2-BD59-A6C34878D82A}">
+                        <a16:rowId xmlns:a16="http://schemas.microsoft.com/office/drawing/2014/main" val="3701261214"/>
+                      </a:ext>
+                    </a:extLst>
+                  </a:tr>
+                  <a:tr h="370840">
+                    <a:tc>
+                      <a:txBody>
+                        <a:bodyPr/>
+                        <a:lstStyle/>
+                        <a:p>
+                          <a:endParaRPr lang="en-US"/>
+                        </a:p>
+                      </a:txBody>
+                      <a:tcPr>
+                        <a:blipFill>
+                          <a:blip r:embed="rId2"/>
+                          <a:stretch>
+                            <a:fillRect l="-235" t="-878689" r="-338263" b="-124590"/>
+                          </a:stretch>
+                        </a:blipFill>
+                      </a:tcPr>
+                    </a:tc>
+                    <a:tc>
+                      <a:txBody>
+                        <a:bodyPr/>
+                        <a:lstStyle/>
+                        <a:p>
+                          <a:pPr algn="ctr"/>
+                          <a:r>
+                            <a:rPr lang="en-US" dirty="0"/>
+                            <a:t>0.50</a:t>
+                          </a:r>
+                        </a:p>
+                      </a:txBody>
+                      <a:tcPr/>
+                    </a:tc>
+                    <a:tc>
+                      <a:txBody>
+                        <a:bodyPr/>
+                        <a:lstStyle/>
+                        <a:p>
+                          <a:pPr algn="ctr"/>
+                          <a:r>
+                            <a:rPr lang="en-US" dirty="0"/>
+                            <a:t>0.19</a:t>
+                          </a:r>
+                        </a:p>
+                      </a:txBody>
+                      <a:tcPr/>
+                    </a:tc>
+                    <a:tc>
+                      <a:txBody>
+                        <a:bodyPr/>
+                        <a:lstStyle/>
+                        <a:p>
+                          <a:pPr algn="ctr"/>
+                          <a:r>
+                            <a:rPr lang="en-US" dirty="0"/>
+                            <a:t>0.49</a:t>
+                          </a:r>
+                        </a:p>
+                      </a:txBody>
+                      <a:tcPr/>
+                    </a:tc>
+                    <a:tc>
+                      <a:txBody>
+                        <a:bodyPr/>
+                        <a:lstStyle/>
+                        <a:p>
+                          <a:pPr algn="ctr"/>
+                          <a:r>
+                            <a:rPr lang="en-US" dirty="0"/>
+                            <a:t>0.38</a:t>
+                          </a:r>
+                        </a:p>
+                      </a:txBody>
+                      <a:tcPr/>
+                    </a:tc>
+                    <a:tc>
+                      <a:txBody>
+                        <a:bodyPr/>
+                        <a:lstStyle/>
+                        <a:p>
+                          <a:pPr algn="ctr"/>
+                          <a:r>
+                            <a:rPr lang="en-US" dirty="0"/>
+                            <a:t>0.54</a:t>
+                          </a:r>
+                        </a:p>
+                      </a:txBody>
+                      <a:tcPr/>
+                    </a:tc>
+                    <a:tc>
+                      <a:txBody>
+                        <a:bodyPr/>
+                        <a:lstStyle/>
+                        <a:p>
+                          <a:pPr algn="ctr"/>
+                          <a:r>
+                            <a:rPr lang="en-US" dirty="0"/>
+                            <a:t>0.31</a:t>
+                          </a:r>
+                        </a:p>
+                      </a:txBody>
+                      <a:tcPr/>
+                    </a:tc>
+                    <a:tc>
+                      <a:txBody>
+                        <a:bodyPr/>
+                        <a:lstStyle/>
+                        <a:p>
+                          <a:pPr algn="ctr"/>
+                          <a:r>
+                            <a:rPr lang="en-US" dirty="0"/>
+                            <a:t>-0.68</a:t>
+                          </a:r>
+                        </a:p>
+                      </a:txBody>
+                      <a:tcPr/>
+                    </a:tc>
+                    <a:tc>
+                      <a:txBody>
+                        <a:bodyPr/>
+                        <a:lstStyle/>
+                        <a:p>
+                          <a:pPr algn="ctr"/>
+                          <a:r>
+                            <a:rPr lang="en-US" dirty="0"/>
+                            <a:t>1</a:t>
+                          </a:r>
+                        </a:p>
+                      </a:txBody>
+                      <a:tcPr/>
+                    </a:tc>
+                    <a:tc>
+                      <a:txBody>
+                        <a:bodyPr/>
+                        <a:lstStyle/>
+                        <a:p>
+                          <a:pPr algn="ctr"/>
+                          <a:endParaRPr lang="en-US" dirty="0"/>
+                        </a:p>
+                      </a:txBody>
+                      <a:tcPr/>
+                    </a:tc>
+                    <a:extLst>
+                      <a:ext uri="{0D108BD9-81ED-4DB2-BD59-A6C34878D82A}">
+                        <a16:rowId xmlns:a16="http://schemas.microsoft.com/office/drawing/2014/main" val="2146381107"/>
+                      </a:ext>
+                    </a:extLst>
+                  </a:tr>
+                  <a:tr h="370840">
+                    <a:tc>
+                      <a:txBody>
+                        <a:bodyPr/>
+                        <a:lstStyle/>
+                        <a:p>
+                          <a:pPr algn="l"/>
+                          <a:r>
+                            <a:rPr lang="en-US" sz="1400" b="1" dirty="0"/>
+                            <a:t>Tensile Strength </a:t>
+                          </a:r>
+                          <a:r>
+                            <a:rPr lang="el-GR" sz="1400" b="1" dirty="0"/>
+                            <a:t>σ</a:t>
+                          </a:r>
+                          <a:r>
+                            <a:rPr lang="en-US" sz="1400" b="1" dirty="0"/>
+                            <a:t> (MPa)</a:t>
+                          </a:r>
+                        </a:p>
+                      </a:txBody>
+                      <a:tcPr/>
+                    </a:tc>
+                    <a:tc>
+                      <a:txBody>
+                        <a:bodyPr/>
+                        <a:lstStyle/>
+                        <a:p>
+                          <a:pPr algn="ctr"/>
+                          <a:r>
+                            <a:rPr lang="en-US" dirty="0"/>
+                            <a:t>-0.25</a:t>
+                          </a:r>
+                        </a:p>
+                      </a:txBody>
+                      <a:tcPr/>
+                    </a:tc>
+                    <a:tc>
+                      <a:txBody>
+                        <a:bodyPr/>
+                        <a:lstStyle/>
+                        <a:p>
+                          <a:pPr algn="ctr"/>
+                          <a:r>
+                            <a:rPr lang="en-US" dirty="0"/>
+                            <a:t>-0.32</a:t>
+                          </a:r>
+                        </a:p>
+                      </a:txBody>
+                      <a:tcPr/>
+                    </a:tc>
+                    <a:tc>
+                      <a:txBody>
+                        <a:bodyPr/>
+                        <a:lstStyle/>
+                        <a:p>
+                          <a:pPr algn="ctr"/>
+                          <a:r>
+                            <a:rPr lang="en-US" dirty="0"/>
+                            <a:t>-0.25</a:t>
+                          </a:r>
+                        </a:p>
+                      </a:txBody>
+                      <a:tcPr/>
+                    </a:tc>
+                    <a:tc>
+                      <a:txBody>
+                        <a:bodyPr/>
+                        <a:lstStyle/>
+                        <a:p>
+                          <a:pPr algn="ctr"/>
+                          <a:r>
+                            <a:rPr lang="en-US" dirty="0">
+                              <a:solidFill>
+                                <a:srgbClr val="00B0F0"/>
+                              </a:solidFill>
+                            </a:rPr>
+                            <a:t>-0.52</a:t>
+                          </a:r>
+                        </a:p>
+                      </a:txBody>
+                      <a:tcPr/>
+                    </a:tc>
+                    <a:tc>
+                      <a:txBody>
+                        <a:bodyPr/>
+                        <a:lstStyle/>
+                        <a:p>
+                          <a:pPr algn="ctr"/>
+                          <a:r>
+                            <a:rPr lang="en-US" dirty="0"/>
+                            <a:t>-0.55</a:t>
+                          </a:r>
+                        </a:p>
+                      </a:txBody>
+                      <a:tcPr/>
+                    </a:tc>
+                    <a:tc>
+                      <a:txBody>
+                        <a:bodyPr/>
+                        <a:lstStyle/>
+                        <a:p>
+                          <a:pPr algn="ctr"/>
+                          <a:r>
+                            <a:rPr lang="en-US" dirty="0"/>
+                            <a:t>-0.31</a:t>
+                          </a:r>
+                        </a:p>
+                      </a:txBody>
+                      <a:tcPr/>
+                    </a:tc>
+                    <a:tc>
+                      <a:txBody>
+                        <a:bodyPr/>
+                        <a:lstStyle/>
+                        <a:p>
+                          <a:pPr algn="ctr"/>
+                          <a:r>
+                            <a:rPr lang="en-US" dirty="0"/>
+                            <a:t>0.1</a:t>
+                          </a:r>
+                        </a:p>
+                      </a:txBody>
+                      <a:tcPr/>
+                    </a:tc>
+                    <a:tc>
+                      <a:txBody>
+                        <a:bodyPr/>
+                        <a:lstStyle/>
+                        <a:p>
+                          <a:pPr algn="ctr"/>
+                          <a:r>
+                            <a:rPr lang="en-US" dirty="0"/>
+                            <a:t>-0.2</a:t>
+                          </a:r>
+                        </a:p>
+                      </a:txBody>
+                      <a:tcPr/>
+                    </a:tc>
+                    <a:tc>
+                      <a:txBody>
+                        <a:bodyPr/>
+                        <a:lstStyle/>
+                        <a:p>
+                          <a:pPr algn="ctr"/>
+                          <a:r>
+                            <a:rPr lang="en-US" dirty="0"/>
+                            <a:t>1</a:t>
+                          </a:r>
+                        </a:p>
+                      </a:txBody>
+                      <a:tcPr/>
+                    </a:tc>
+                    <a:extLst>
+                      <a:ext uri="{0D108BD9-81ED-4DB2-BD59-A6C34878D82A}">
+                        <a16:rowId xmlns:a16="http://schemas.microsoft.com/office/drawing/2014/main" val="1130939070"/>
+                      </a:ext>
+                    </a:extLst>
+                  </a:tr>
+                </a:tbl>
+              </a:graphicData>
+            </a:graphic>
+          </p:graphicFrame>
+        </mc:Fallback>
+      </mc:AlternateContent>
+      <p:sp>
+        <p:nvSpPr>
+          <p:cNvPr id="3" name="TextBox 2">
+            <a:extLst>
+              <a:ext uri="{FF2B5EF4-FFF2-40B4-BE49-F238E27FC236}">
+                <a16:creationId xmlns:a16="http://schemas.microsoft.com/office/drawing/2014/main" id="{A89DD5E2-7D30-02D9-DD59-DC08A8F6FD26}"/>
+              </a:ext>
+            </a:extLst>
+          </p:cNvPr>
+          <p:cNvSpPr txBox="1"/>
+          <p:nvPr/>
+        </p:nvSpPr>
+        <p:spPr>
+          <a:xfrm>
+            <a:off x="4572000" y="703008"/>
+            <a:ext cx="3217025" cy="369332"/>
+          </a:xfrm>
+          <a:prstGeom prst="rect">
+            <a:avLst/>
+          </a:prstGeom>
+          <a:noFill/>
+        </p:spPr>
+        <p:txBody>
+          <a:bodyPr wrap="square" rtlCol="0">
+            <a:spAutoFit/>
+          </a:bodyPr>
+          <a:lstStyle/>
+          <a:p>
+            <a:pPr algn="ctr"/>
+            <a:r>
+              <a:rPr lang="en-US" b="1" dirty="0"/>
+              <a:t>Correlation coefficient matrix</a:t>
+            </a:r>
+          </a:p>
+        </p:txBody>
+      </p:sp>
+      <p:cxnSp>
+        <p:nvCxnSpPr>
+          <p:cNvPr id="5" name="Straight Connector 4">
+            <a:extLst>
+              <a:ext uri="{FF2B5EF4-FFF2-40B4-BE49-F238E27FC236}">
+                <a16:creationId xmlns:a16="http://schemas.microsoft.com/office/drawing/2014/main" id="{B3E7E1E3-A013-9FFB-5AC8-145468A1AE13}"/>
+              </a:ext>
+            </a:extLst>
+          </p:cNvPr>
+          <p:cNvCxnSpPr>
+            <a:cxnSpLocks/>
+          </p:cNvCxnSpPr>
+          <p:nvPr/>
+        </p:nvCxnSpPr>
+        <p:spPr>
+          <a:xfrm>
+            <a:off x="3217025" y="1837112"/>
+            <a:ext cx="7755775" cy="3009208"/>
+          </a:xfrm>
+          <a:prstGeom prst="line">
+            <a:avLst/>
+          </a:prstGeom>
+          <a:ln>
+            <a:prstDash val="dash"/>
+          </a:ln>
+        </p:spPr>
+        <p:style>
+          <a:lnRef idx="1">
+            <a:schemeClr val="accent1"/>
+          </a:lnRef>
+          <a:fillRef idx="0">
+            <a:schemeClr val="accent1"/>
+          </a:fillRef>
+          <a:effectRef idx="0">
+            <a:schemeClr val="accent1"/>
+          </a:effectRef>
+          <a:fontRef idx="minor">
+            <a:schemeClr val="tx1"/>
+          </a:fontRef>
+        </p:style>
+      </p:cxnSp>
+      <p:sp>
+        <p:nvSpPr>
+          <p:cNvPr id="12" name="TextBox 11">
+            <a:extLst>
+              <a:ext uri="{FF2B5EF4-FFF2-40B4-BE49-F238E27FC236}">
+                <a16:creationId xmlns:a16="http://schemas.microsoft.com/office/drawing/2014/main" id="{D0A29C16-D57B-B15A-6132-B365D9AFF723}"/>
+              </a:ext>
+            </a:extLst>
+          </p:cNvPr>
+          <p:cNvSpPr txBox="1"/>
+          <p:nvPr/>
+        </p:nvSpPr>
+        <p:spPr>
+          <a:xfrm>
+            <a:off x="124691" y="141316"/>
+            <a:ext cx="10216342" cy="369332"/>
+          </a:xfrm>
+          <a:prstGeom prst="rect">
+            <a:avLst/>
+          </a:prstGeom>
+          <a:noFill/>
+        </p:spPr>
+        <p:txBody>
+          <a:bodyPr wrap="square" rtlCol="0">
+            <a:spAutoFit/>
+          </a:bodyPr>
+          <a:lstStyle/>
+          <a:p>
+            <a:r>
+              <a:rPr lang="en-US" b="1" u="sng" dirty="0"/>
+              <a:t>Is there any correlation between residual stress and material elasticity?</a:t>
+            </a:r>
+          </a:p>
+        </p:txBody>
+      </p:sp>
+      <p:sp>
+        <p:nvSpPr>
+          <p:cNvPr id="13" name="TextBox 12">
+            <a:extLst>
+              <a:ext uri="{FF2B5EF4-FFF2-40B4-BE49-F238E27FC236}">
+                <a16:creationId xmlns:a16="http://schemas.microsoft.com/office/drawing/2014/main" id="{4A0D33C2-07A3-0BF8-5B6F-22B11F0F94A1}"/>
+              </a:ext>
+            </a:extLst>
+          </p:cNvPr>
+          <p:cNvSpPr txBox="1"/>
+          <p:nvPr/>
+        </p:nvSpPr>
+        <p:spPr>
+          <a:xfrm>
+            <a:off x="0" y="6396335"/>
+            <a:ext cx="8587047" cy="461665"/>
+          </a:xfrm>
+          <a:prstGeom prst="rect">
+            <a:avLst/>
+          </a:prstGeom>
+          <a:noFill/>
+        </p:spPr>
+        <p:txBody>
+          <a:bodyPr wrap="square" rtlCol="0">
+            <a:spAutoFit/>
+          </a:bodyPr>
+          <a:lstStyle/>
+          <a:p>
+            <a:r>
+              <a:rPr lang="en-US" sz="1200" dirty="0"/>
+              <a:t>[1] see previous slide</a:t>
+            </a:r>
+          </a:p>
+          <a:p>
+            <a:r>
+              <a:rPr lang="en-US" sz="1200" dirty="0"/>
+              <a:t>[2] see previous slide</a:t>
+            </a:r>
+          </a:p>
+        </p:txBody>
+      </p:sp>
+      <p:sp>
+        <p:nvSpPr>
+          <p:cNvPr id="14" name="TextBox 13">
+            <a:extLst>
+              <a:ext uri="{FF2B5EF4-FFF2-40B4-BE49-F238E27FC236}">
+                <a16:creationId xmlns:a16="http://schemas.microsoft.com/office/drawing/2014/main" id="{CE7F83A7-044B-F3BD-E5EA-6383C56E0DC5}"/>
+              </a:ext>
+            </a:extLst>
+          </p:cNvPr>
+          <p:cNvSpPr txBox="1"/>
+          <p:nvPr/>
+        </p:nvSpPr>
+        <p:spPr>
+          <a:xfrm>
+            <a:off x="124691" y="5187142"/>
+            <a:ext cx="11363498" cy="1200329"/>
+          </a:xfrm>
+          <a:prstGeom prst="rect">
+            <a:avLst/>
+          </a:prstGeom>
+          <a:noFill/>
+        </p:spPr>
+        <p:txBody>
+          <a:bodyPr wrap="square" rtlCol="0">
+            <a:spAutoFit/>
+          </a:bodyPr>
+          <a:lstStyle/>
+          <a:p>
+            <a:pPr marL="285750" indent="-285750">
+              <a:buFont typeface="Arial" panose="020B0604020202020204" pitchFamily="34" charset="0"/>
+              <a:buChar char="•"/>
+            </a:pPr>
+            <a:r>
+              <a:rPr lang="en-US" dirty="0"/>
+              <a:t>All elastic constants are correlated for a compact in a die.</a:t>
+            </a:r>
+          </a:p>
+          <a:p>
+            <a:pPr marL="285750" indent="-285750">
+              <a:buFont typeface="Arial" panose="020B0604020202020204" pitchFamily="34" charset="0"/>
+              <a:buChar char="•"/>
+            </a:pPr>
+            <a:r>
+              <a:rPr lang="en-US" dirty="0"/>
+              <a:t>Residual radial stress correlates with all moduli and ejection force.</a:t>
+            </a:r>
+          </a:p>
+          <a:p>
+            <a:pPr marL="285750" indent="-285750">
+              <a:buFont typeface="Arial" panose="020B0604020202020204" pitchFamily="34" charset="0"/>
+              <a:buChar char="•"/>
+            </a:pPr>
+            <a:r>
+              <a:rPr lang="en-US" dirty="0"/>
+              <a:t>Residual stress and tensile strength are not highly correlated. </a:t>
+            </a:r>
+          </a:p>
+          <a:p>
+            <a:pPr marL="285750" indent="-285750">
+              <a:buFont typeface="Arial" panose="020B0604020202020204" pitchFamily="34" charset="0"/>
+              <a:buChar char="•"/>
+            </a:pPr>
+            <a:r>
+              <a:rPr lang="en-US" dirty="0"/>
+              <a:t>Tensile strength does not correlate with any common moduli. </a:t>
+            </a:r>
+          </a:p>
+        </p:txBody>
+      </p:sp>
+    </p:spTree>
+    <p:extLst>
+      <p:ext uri="{BB962C8B-B14F-4D97-AF65-F5344CB8AC3E}">
+        <p14:creationId xmlns:p14="http://schemas.microsoft.com/office/powerpoint/2010/main" val="2288234649"/>
       </p:ext>
     </p:extLst>
   </p:cSld>
